--- a/FunctionalWeb.pptx
+++ b/FunctionalWeb.pptx
@@ -5,7 +5,7 @@
     <p:sldMasterId id="2147483648" r:id="rId1"/>
   </p:sldMasterIdLst>
   <p:notesMasterIdLst>
-    <p:notesMasterId r:id="rId15"/>
+    <p:notesMasterId r:id="rId14"/>
   </p:notesMasterIdLst>
   <p:sldIdLst>
     <p:sldId id="256" r:id="rId2"/>
@@ -13,14 +13,13 @@
     <p:sldId id="270" r:id="rId4"/>
     <p:sldId id="271" r:id="rId5"/>
     <p:sldId id="273" r:id="rId6"/>
-    <p:sldId id="280" r:id="rId7"/>
-    <p:sldId id="274" r:id="rId8"/>
-    <p:sldId id="275" r:id="rId9"/>
-    <p:sldId id="276" r:id="rId10"/>
-    <p:sldId id="277" r:id="rId11"/>
-    <p:sldId id="278" r:id="rId12"/>
-    <p:sldId id="279" r:id="rId13"/>
-    <p:sldId id="266" r:id="rId14"/>
+    <p:sldId id="274" r:id="rId7"/>
+    <p:sldId id="275" r:id="rId8"/>
+    <p:sldId id="276" r:id="rId9"/>
+    <p:sldId id="277" r:id="rId10"/>
+    <p:sldId id="278" r:id="rId11"/>
+    <p:sldId id="279" r:id="rId12"/>
+    <p:sldId id="266" r:id="rId13"/>
   </p:sldIdLst>
   <p:sldSz cx="12192000" cy="6858000"/>
   <p:notesSz cx="6858000" cy="9144000"/>
@@ -220,7 +219,7 @@
           <a:p>
             <a:fld id="{84B89DD8-053B-4359-975A-4914A74E1808}" type="datetimeFigureOut">
               <a:rPr lang="en-US" smtClean="0"/>
-              <a:t>6/23/2013</a:t>
+              <a:t>9/29/2013</a:t>
             </a:fld>
             <a:endParaRPr lang="en-US"/>
           </a:p>
@@ -636,119 +635,6 @@
           <a:p>
             <a:r>
               <a:rPr lang="en-US" dirty="0" smtClean="0"/>
-              <a:t>Similar</a:t>
-            </a:r>
-            <a:r>
-              <a:rPr lang="en-US" baseline="0" dirty="0" smtClean="0"/>
-              <a:t> to resource, merge is a function of HttpRequestMessage -&gt; </a:t>
-            </a:r>
-            <a:r>
-              <a:rPr lang="en-US" baseline="0" dirty="0" err="1" smtClean="0"/>
-              <a:t>Async</a:t>
-            </a:r>
-            <a:r>
-              <a:rPr lang="en-US" baseline="0" dirty="0" smtClean="0"/>
-              <a:t>&lt;HttpResponseMessage&gt; option. When a resource </a:t>
-            </a:r>
-            <a:r>
-              <a:rPr lang="en-US" baseline="0" dirty="0" err="1" smtClean="0"/>
-              <a:t>uri</a:t>
-            </a:r>
-            <a:r>
-              <a:rPr lang="en-US" baseline="0" dirty="0" smtClean="0"/>
-              <a:t> is not found, a 404 Not Found response is returned. The result, however, is a Frank application.</a:t>
-            </a:r>
-            <a:endParaRPr lang="en-US" dirty="0"/>
-          </a:p>
-        </p:txBody>
-      </p:sp>
-      <p:sp>
-        <p:nvSpPr>
-          <p:cNvPr id="4" name="Slide Number Placeholder 3"/>
-          <p:cNvSpPr>
-            <a:spLocks noGrp="1"/>
-          </p:cNvSpPr>
-          <p:nvPr>
-            <p:ph type="sldNum" sz="quarter" idx="10"/>
-          </p:nvPr>
-        </p:nvSpPr>
-        <p:spPr/>
-        <p:txBody>
-          <a:bodyPr/>
-          <a:lstStyle/>
-          <a:p>
-            <a:fld id="{A5FD7785-0E15-469E-85B3-F8AF7D47EE69}" type="slidenum">
-              <a:rPr lang="en-US" smtClean="0"/>
-              <a:t>11</a:t>
-            </a:fld>
-            <a:endParaRPr lang="en-US"/>
-          </a:p>
-        </p:txBody>
-      </p:sp>
-    </p:spTree>
-    <p:extLst>
-      <p:ext uri="{BB962C8B-B14F-4D97-AF65-F5344CB8AC3E}">
-        <p14:creationId xmlns:p14="http://schemas.microsoft.com/office/powerpoint/2010/main" val="441788286"/>
-      </p:ext>
-    </p:extLst>
-  </p:cSld>
-  <p:clrMapOvr>
-    <a:masterClrMapping/>
-  </p:clrMapOvr>
-</p:notes>
-</file>
-
-<file path=ppt/notesSlides/notesSlide11.xml><?xml version="1.0" encoding="utf-8"?>
-<p:notes xmlns:a="http://schemas.openxmlformats.org/drawingml/2006/main" xmlns:r="http://schemas.openxmlformats.org/officeDocument/2006/relationships" xmlns:p="http://schemas.openxmlformats.org/presentationml/2006/main">
-  <p:cSld>
-    <p:spTree>
-      <p:nvGrpSpPr>
-        <p:cNvPr id="1" name=""/>
-        <p:cNvGrpSpPr/>
-        <p:nvPr/>
-      </p:nvGrpSpPr>
-      <p:grpSpPr>
-        <a:xfrm>
-          <a:off x="0" y="0"/>
-          <a:ext cx="0" cy="0"/>
-          <a:chOff x="0" y="0"/>
-          <a:chExt cx="0" cy="0"/>
-        </a:xfrm>
-      </p:grpSpPr>
-      <p:sp>
-        <p:nvSpPr>
-          <p:cNvPr id="2" name="Slide Image Placeholder 1"/>
-          <p:cNvSpPr>
-            <a:spLocks noGrp="1" noRot="1" noChangeAspect="1"/>
-          </p:cNvSpPr>
-          <p:nvPr>
-            <p:ph type="sldImg"/>
-          </p:nvPr>
-        </p:nvSpPr>
-        <p:spPr>
-          <a:xfrm>
-            <a:off x="381000" y="685800"/>
-            <a:ext cx="6096000" cy="3429000"/>
-          </a:xfrm>
-        </p:spPr>
-      </p:sp>
-      <p:sp>
-        <p:nvSpPr>
-          <p:cNvPr id="3" name="Notes Placeholder 2"/>
-          <p:cNvSpPr>
-            <a:spLocks noGrp="1"/>
-          </p:cNvSpPr>
-          <p:nvPr>
-            <p:ph type="body" idx="1"/>
-          </p:nvPr>
-        </p:nvSpPr>
-        <p:spPr/>
-        <p:txBody>
-          <a:bodyPr/>
-          <a:lstStyle/>
-          <a:p>
-            <a:r>
-              <a:rPr lang="en-US" dirty="0" smtClean="0"/>
               <a:t>Frank currently uses</a:t>
             </a:r>
             <a:r>
@@ -836,7 +722,7 @@
           <a:p>
             <a:fld id="{A5FD7785-0E15-469E-85B3-F8AF7D47EE69}" type="slidenum">
               <a:rPr lang="en-US" smtClean="0"/>
-              <a:t>12</a:t>
+              <a:t>11</a:t>
             </a:fld>
             <a:endParaRPr lang="en-US"/>
           </a:p>
@@ -1220,42 +1106,19 @@
           <a:p>
             <a:r>
               <a:rPr lang="en-US" dirty="0" smtClean="0"/>
-              <a:t>Resources may be directly returned</a:t>
+              <a:t>For those with a stronger</a:t>
             </a:r>
             <a:r>
               <a:rPr lang="en-US" baseline="0" dirty="0" smtClean="0"/>
-              <a:t> in a response. In the beginning, when most HTTP applications served static files, this was common. However, Resources are not equivalent to the representation returned to the client, even if they appear identical. Unlike editing files locally, if you were to edit a file returned from an HTTP application, you would not be editing the original file. You would need to re-submit the file to the server, if allowed, and then the server would need to take the content you supplied and update the original Resource.</a:t>
-            </a:r>
-          </a:p>
-          <a:p>
-            <a:endParaRPr lang="en-US" baseline="0" dirty="0" smtClean="0"/>
-          </a:p>
-          <a:p>
+              <a:t> bent towards building web sites, Mauricio </a:t>
+            </a:r>
+            <a:r>
+              <a:rPr lang="en-US" baseline="0" dirty="0" err="1" smtClean="0"/>
+              <a:t>Scheffer’s</a:t>
+            </a:r>
             <a:r>
               <a:rPr lang="en-US" baseline="0" dirty="0" smtClean="0"/>
-              <a:t>It is thus reasonable to understand that a Resource can be represented in more than one way. A JSON representation is just as valid as XML, HTML, or even an image.</a:t>
-            </a:r>
-            <a:endParaRPr lang="en-US" dirty="0" smtClean="0"/>
-          </a:p>
-          <a:p>
-            <a:endParaRPr lang="en-US" dirty="0" smtClean="0"/>
-          </a:p>
-          <a:p>
-            <a:r>
-              <a:rPr lang="en-US" dirty="0" smtClean="0"/>
-              <a:t>Content</a:t>
-            </a:r>
-            <a:r>
-              <a:rPr lang="en-US" baseline="0" dirty="0" smtClean="0"/>
-              <a:t> negotiation, or “</a:t>
-            </a:r>
-            <a:r>
-              <a:rPr lang="en-US" baseline="0" dirty="0" err="1" smtClean="0"/>
-              <a:t>conneg</a:t>
-            </a:r>
-            <a:r>
-              <a:rPr lang="en-US" baseline="0" dirty="0" smtClean="0"/>
-              <a:t>,” is a cross-cutting concern that allows HTTP applications to select an appropriate representation to send in the response message. The actual execution of this selection could occur either at the top-level or at the lowest-level of a composed HTTP application.</a:t>
+              <a:t> Figment may be a closer match to your taste.</a:t>
             </a:r>
             <a:endParaRPr lang="en-US" dirty="0"/>
           </a:p>
@@ -1287,7 +1150,7 @@
     </p:spTree>
     <p:extLst>
       <p:ext uri="{BB962C8B-B14F-4D97-AF65-F5344CB8AC3E}">
-        <p14:creationId xmlns:p14="http://schemas.microsoft.com/office/powerpoint/2010/main" val="1693584707"/>
+        <p14:creationId xmlns:p14="http://schemas.microsoft.com/office/powerpoint/2010/main" val="1706336117"/>
       </p:ext>
     </p:extLst>
   </p:cSld>
@@ -1348,19 +1211,43 @@
           <a:p>
             <a:r>
               <a:rPr lang="en-US" dirty="0" smtClean="0"/>
-              <a:t>For those with a stronger</a:t>
+              <a:t>Compare</a:t>
             </a:r>
             <a:r>
               <a:rPr lang="en-US" baseline="0" dirty="0" smtClean="0"/>
-              <a:t> bent towards building web sites, Mauricio </a:t>
+              <a:t> the Frank application signature with the simplest app signature we used above. The only addition is that we are stating that an application is non-blocking. This is the same idea as is used in node.js. It’s also sort-of required since Frank sits on </a:t>
             </a:r>
             <a:r>
               <a:rPr lang="en-US" baseline="0" dirty="0" err="1" smtClean="0"/>
-              <a:t>Scheffer’s</a:t>
+              <a:t>System.Net.Http</a:t>
             </a:r>
             <a:r>
               <a:rPr lang="en-US" baseline="0" dirty="0" smtClean="0"/>
-              <a:t> Figment may be a closer match to your taste.</a:t>
+              <a:t> via </a:t>
+            </a:r>
+            <a:r>
+              <a:rPr lang="en-US" baseline="0" dirty="0" err="1" smtClean="0"/>
+              <a:t>MessageHandlers</a:t>
+            </a:r>
+            <a:r>
+              <a:rPr lang="en-US" baseline="0" dirty="0" smtClean="0"/>
+              <a:t>. The signature for the </a:t>
+            </a:r>
+            <a:r>
+              <a:rPr lang="en-US" baseline="0" dirty="0" err="1" smtClean="0"/>
+              <a:t>MessageHandler.SendAsync</a:t>
+            </a:r>
+            <a:r>
+              <a:rPr lang="en-US" baseline="0" dirty="0" smtClean="0"/>
+              <a:t> is the same but for Task rather than </a:t>
+            </a:r>
+            <a:r>
+              <a:rPr lang="en-US" baseline="0" dirty="0" err="1" smtClean="0"/>
+              <a:t>Async</a:t>
+            </a:r>
+            <a:r>
+              <a:rPr lang="en-US" baseline="0" dirty="0" smtClean="0"/>
+              <a:t>. This signature extends all the way through all layers of composition.</a:t>
             </a:r>
             <a:endParaRPr lang="en-US" dirty="0"/>
           </a:p>
@@ -1392,7 +1279,7 @@
     </p:spTree>
     <p:extLst>
       <p:ext uri="{BB962C8B-B14F-4D97-AF65-F5344CB8AC3E}">
-        <p14:creationId xmlns:p14="http://schemas.microsoft.com/office/powerpoint/2010/main" val="1706336117"/>
+        <p14:creationId xmlns:p14="http://schemas.microsoft.com/office/powerpoint/2010/main" val="809592611"/>
       </p:ext>
     </p:extLst>
   </p:cSld>
@@ -1451,47 +1338,7 @@
           <a:bodyPr/>
           <a:lstStyle/>
           <a:p>
-            <a:r>
-              <a:rPr lang="en-US" dirty="0" smtClean="0"/>
-              <a:t>Compare</a:t>
-            </a:r>
-            <a:r>
-              <a:rPr lang="en-US" baseline="0" dirty="0" smtClean="0"/>
-              <a:t> the Frank application signature with the simplest app signature we used above. The only addition is that we are stating that an application is non-blocking. This is the same idea as is used in node.js. It’s also sort-of required since Frank sits on </a:t>
-            </a:r>
-            <a:r>
-              <a:rPr lang="en-US" baseline="0" dirty="0" err="1" smtClean="0"/>
-              <a:t>System.Net.Http</a:t>
-            </a:r>
-            <a:r>
-              <a:rPr lang="en-US" baseline="0" dirty="0" smtClean="0"/>
-              <a:t> via </a:t>
-            </a:r>
-            <a:r>
-              <a:rPr lang="en-US" baseline="0" dirty="0" err="1" smtClean="0"/>
-              <a:t>MessageHandlers</a:t>
-            </a:r>
-            <a:r>
-              <a:rPr lang="en-US" baseline="0" dirty="0" smtClean="0"/>
-              <a:t>. The signature for the </a:t>
-            </a:r>
-            <a:r>
-              <a:rPr lang="en-US" baseline="0" dirty="0" err="1" smtClean="0"/>
-              <a:t>MessageHandler.SendAsync</a:t>
-            </a:r>
-            <a:r>
-              <a:rPr lang="en-US" baseline="0" dirty="0" smtClean="0"/>
-              <a:t> is the same but for Task rather than </a:t>
-            </a:r>
-            <a:r>
-              <a:rPr lang="en-US" baseline="0" dirty="0" err="1" smtClean="0"/>
-              <a:t>Async</a:t>
-            </a:r>
-            <a:r>
-              <a:rPr lang="en-US" baseline="0" dirty="0" smtClean="0"/>
-              <a:t>. This signature extends all the way through all layers of composition.</a:t>
-            </a:r>
-            <a:endParaRPr lang="en-US" dirty="0"/>
+            <a:endParaRPr lang="en-US"/>
           </a:p>
         </p:txBody>
       </p:sp>
@@ -1521,7 +1368,7 @@
     </p:spTree>
     <p:extLst>
       <p:ext uri="{BB962C8B-B14F-4D97-AF65-F5344CB8AC3E}">
-        <p14:creationId xmlns:p14="http://schemas.microsoft.com/office/powerpoint/2010/main" val="809592611"/>
+        <p14:creationId xmlns:p14="http://schemas.microsoft.com/office/powerpoint/2010/main" val="1749080848"/>
       </p:ext>
     </p:extLst>
   </p:cSld>
@@ -1580,7 +1427,23 @@
           <a:bodyPr/>
           <a:lstStyle/>
           <a:p>
-            <a:endParaRPr lang="en-US"/>
+            <a:r>
+              <a:rPr lang="en-US" dirty="0" smtClean="0"/>
+              <a:t>A resource is the only curren</a:t>
+            </a:r>
+            <a:r>
+              <a:rPr lang="en-US" baseline="0" dirty="0" smtClean="0"/>
+              <a:t>t location that does not conform solely to the Frank application signature. A resource holds both a Uri Template (its name) as well as a HttpRequestMessage -&gt; </a:t>
+            </a:r>
+            <a:r>
+              <a:rPr lang="en-US" baseline="0" dirty="0" err="1" smtClean="0"/>
+              <a:t>Async</a:t>
+            </a:r>
+            <a:r>
+              <a:rPr lang="en-US" baseline="0" dirty="0" smtClean="0"/>
+              <a:t>&lt;HttpResponseMessage&gt; option. Why the option? The resource will respond with a 405 Method Not Allowed if it does not respond to the method thrown its way. Thus the option allows the programmer to define the methods for the resource without having to manually hook up the 405 response.</a:t>
+            </a:r>
+            <a:endParaRPr lang="en-US" dirty="0"/>
           </a:p>
         </p:txBody>
       </p:sp>
@@ -1610,7 +1473,7 @@
     </p:spTree>
     <p:extLst>
       <p:ext uri="{BB962C8B-B14F-4D97-AF65-F5344CB8AC3E}">
-        <p14:creationId xmlns:p14="http://schemas.microsoft.com/office/powerpoint/2010/main" val="1749080848"/>
+        <p14:creationId xmlns:p14="http://schemas.microsoft.com/office/powerpoint/2010/main" val="3397532311"/>
       </p:ext>
     </p:extLst>
   </p:cSld>
@@ -1671,11 +1534,11 @@
           <a:p>
             <a:r>
               <a:rPr lang="en-US" dirty="0" smtClean="0"/>
-              <a:t>A resource is the only curren</a:t>
+              <a:t>Similar</a:t>
             </a:r>
             <a:r>
               <a:rPr lang="en-US" baseline="0" dirty="0" smtClean="0"/>
-              <a:t>t location that does not conform solely to the Frank application signature. A resource holds both a Uri Template (its name) as well as a HttpRequestMessage -&gt; </a:t>
+              <a:t> to resource, merge is a function of HttpRequestMessage -&gt; </a:t>
             </a:r>
             <a:r>
               <a:rPr lang="en-US" baseline="0" dirty="0" err="1" smtClean="0"/>
@@ -1683,7 +1546,15 @@
             </a:r>
             <a:r>
               <a:rPr lang="en-US" baseline="0" dirty="0" smtClean="0"/>
-              <a:t>&lt;HttpResponseMessage&gt; option. Why the option? The resource will respond with a 405 Method Not Allowed if it does not respond to the method thrown its way. Thus the option allows the programmer to define the methods for the resource without having to manually hook up the 405 response.</a:t>
+              <a:t>&lt;HttpResponseMessage&gt; option. When a resource </a:t>
+            </a:r>
+            <a:r>
+              <a:rPr lang="en-US" baseline="0" dirty="0" err="1" smtClean="0"/>
+              <a:t>uri</a:t>
+            </a:r>
+            <a:r>
+              <a:rPr lang="en-US" baseline="0" dirty="0" smtClean="0"/>
+              <a:t> is not found, a 404 Not Found response is returned. The result, however, is a Frank application.</a:t>
             </a:r>
             <a:endParaRPr lang="en-US" dirty="0"/>
           </a:p>
@@ -1715,7 +1586,7 @@
     </p:spTree>
     <p:extLst>
       <p:ext uri="{BB962C8B-B14F-4D97-AF65-F5344CB8AC3E}">
-        <p14:creationId xmlns:p14="http://schemas.microsoft.com/office/powerpoint/2010/main" val="3397532311"/>
+        <p14:creationId xmlns:p14="http://schemas.microsoft.com/office/powerpoint/2010/main" val="441788286"/>
       </p:ext>
     </p:extLst>
   </p:cSld>
@@ -1908,7 +1779,7 @@
           <a:p>
             <a:fld id="{4AAD347D-5ACD-4C99-B74B-A9C85AD731AF}" type="datetime1">
               <a:rPr lang="en-US" smtClean="0"/>
-              <a:t>6/23/2013</a:t>
+              <a:t>9/29/2013</a:t>
             </a:fld>
             <a:endParaRPr lang="en-US"/>
           </a:p>
@@ -2178,7 +2049,7 @@
           <a:p>
             <a:fld id="{4509A250-FF31-4206-8172-F9D3106AACB1}" type="datetime1">
               <a:rPr lang="en-US" smtClean="0"/>
-              <a:t>6/23/2013</a:t>
+              <a:t>9/29/2013</a:t>
             </a:fld>
             <a:endParaRPr lang="en-US" dirty="0"/>
           </a:p>
@@ -2300,7 +2171,7 @@
           <a:p>
             <a:fld id="{4509A250-FF31-4206-8172-F9D3106AACB1}" type="datetime1">
               <a:rPr lang="en-US" smtClean="0"/>
-              <a:t>6/23/2013</a:t>
+              <a:t>9/29/2013</a:t>
             </a:fld>
             <a:endParaRPr lang="en-US" dirty="0"/>
           </a:p>
@@ -2489,7 +2360,7 @@
           <a:p>
             <a:fld id="{4509A250-FF31-4206-8172-F9D3106AACB1}" type="datetime1">
               <a:rPr lang="en-US" smtClean="0"/>
-              <a:t>6/23/2013</a:t>
+              <a:t>9/29/2013</a:t>
             </a:fld>
             <a:endParaRPr lang="en-US" dirty="0"/>
           </a:p>
@@ -2959,7 +2830,7 @@
           <a:p>
             <a:fld id="{4509A250-FF31-4206-8172-F9D3106AACB1}" type="datetime1">
               <a:rPr lang="en-US" smtClean="0"/>
-              <a:t>6/23/2013</a:t>
+              <a:t>9/29/2013</a:t>
             </a:fld>
             <a:endParaRPr lang="en-US" dirty="0"/>
           </a:p>
@@ -3081,7 +2952,7 @@
           <a:p>
             <a:fld id="{4509A250-FF31-4206-8172-F9D3106AACB1}" type="datetime1">
               <a:rPr lang="en-US" smtClean="0"/>
-              <a:t>6/23/2013</a:t>
+              <a:t>9/29/2013</a:t>
             </a:fld>
             <a:endParaRPr lang="en-US" dirty="0"/>
           </a:p>
@@ -3367,7 +3238,7 @@
           <a:p>
             <a:fld id="{4509A250-FF31-4206-8172-F9D3106AACB1}" type="datetime1">
               <a:rPr lang="en-US" smtClean="0"/>
-              <a:t>6/23/2013</a:t>
+              <a:t>9/29/2013</a:t>
             </a:fld>
             <a:endParaRPr lang="en-US" dirty="0"/>
           </a:p>
@@ -4113,7 +3984,7 @@
           <a:p>
             <a:fld id="{4509A250-FF31-4206-8172-F9D3106AACB1}" type="datetime1">
               <a:rPr lang="en-US" smtClean="0"/>
-              <a:t>6/23/2013</a:t>
+              <a:t>9/29/2013</a:t>
             </a:fld>
             <a:endParaRPr lang="en-US" dirty="0"/>
           </a:p>
@@ -4955,7 +4826,7 @@
           <a:p>
             <a:fld id="{4509A250-FF31-4206-8172-F9D3106AACB1}" type="datetime1">
               <a:rPr lang="en-US" smtClean="0"/>
-              <a:t>6/23/2013</a:t>
+              <a:t>9/29/2013</a:t>
             </a:fld>
             <a:endParaRPr lang="en-US" dirty="0"/>
           </a:p>
@@ -5120,7 +4991,7 @@
           <a:p>
             <a:fld id="{4509A250-FF31-4206-8172-F9D3106AACB1}" type="datetime1">
               <a:rPr lang="en-US" smtClean="0"/>
-              <a:t>6/23/2013</a:t>
+              <a:t>9/29/2013</a:t>
             </a:fld>
             <a:endParaRPr lang="en-US" dirty="0"/>
           </a:p>
@@ -5295,7 +5166,7 @@
           <a:p>
             <a:fld id="{4509A250-FF31-4206-8172-F9D3106AACB1}" type="datetime1">
               <a:rPr lang="en-US" smtClean="0"/>
-              <a:t>6/23/2013</a:t>
+              <a:t>9/29/2013</a:t>
             </a:fld>
             <a:endParaRPr lang="en-US" dirty="0"/>
           </a:p>
@@ -5460,7 +5331,7 @@
           <a:p>
             <a:fld id="{4509A250-FF31-4206-8172-F9D3106AACB1}" type="datetime1">
               <a:rPr lang="en-US" smtClean="0"/>
-              <a:t>6/23/2013</a:t>
+              <a:t>9/29/2013</a:t>
             </a:fld>
             <a:endParaRPr lang="en-US" dirty="0"/>
           </a:p>
@@ -5699,7 +5570,7 @@
           <a:p>
             <a:fld id="{4509A250-FF31-4206-8172-F9D3106AACB1}" type="datetime1">
               <a:rPr lang="en-US" smtClean="0"/>
-              <a:t>6/23/2013</a:t>
+              <a:t>9/29/2013</a:t>
             </a:fld>
             <a:endParaRPr lang="en-US" dirty="0"/>
           </a:p>
@@ -5986,7 +5857,7 @@
           <a:p>
             <a:fld id="{4509A250-FF31-4206-8172-F9D3106AACB1}" type="datetime1">
               <a:rPr lang="en-US" smtClean="0"/>
-              <a:t>6/23/2013</a:t>
+              <a:t>9/29/2013</a:t>
             </a:fld>
             <a:endParaRPr lang="en-US" dirty="0"/>
           </a:p>
@@ -6419,7 +6290,7 @@
           <a:p>
             <a:fld id="{4509A250-FF31-4206-8172-F9D3106AACB1}" type="datetime1">
               <a:rPr lang="en-US" smtClean="0"/>
-              <a:t>6/23/2013</a:t>
+              <a:t>9/29/2013</a:t>
             </a:fld>
             <a:endParaRPr lang="en-US" dirty="0"/>
           </a:p>
@@ -6532,7 +6403,7 @@
           <a:p>
             <a:fld id="{4509A250-FF31-4206-8172-F9D3106AACB1}" type="datetime1">
               <a:rPr lang="en-US" smtClean="0"/>
-              <a:t>6/23/2013</a:t>
+              <a:t>9/29/2013</a:t>
             </a:fld>
             <a:endParaRPr lang="en-US" dirty="0"/>
           </a:p>
@@ -6622,7 +6493,7 @@
           <a:p>
             <a:fld id="{4509A250-FF31-4206-8172-F9D3106AACB1}" type="datetime1">
               <a:rPr lang="en-US" smtClean="0"/>
-              <a:t>6/23/2013</a:t>
+              <a:t>9/29/2013</a:t>
             </a:fld>
             <a:endParaRPr lang="en-US" dirty="0"/>
           </a:p>
@@ -6896,7 +6767,7 @@
           <a:p>
             <a:fld id="{4509A250-FF31-4206-8172-F9D3106AACB1}" type="datetime1">
               <a:rPr lang="en-US" smtClean="0"/>
-              <a:t>6/23/2013</a:t>
+              <a:t>9/29/2013</a:t>
             </a:fld>
             <a:endParaRPr lang="en-US" dirty="0"/>
           </a:p>
@@ -7166,7 +7037,7 @@
           <a:p>
             <a:fld id="{4509A250-FF31-4206-8172-F9D3106AACB1}" type="datetime1">
               <a:rPr lang="en-US" smtClean="0"/>
-              <a:t>6/23/2013</a:t>
+              <a:t>9/29/2013</a:t>
             </a:fld>
             <a:endParaRPr lang="en-US" dirty="0"/>
           </a:p>
@@ -7774,7 +7645,7 @@
           <a:p>
             <a:fld id="{4509A250-FF31-4206-8172-F9D3106AACB1}" type="datetime1">
               <a:rPr lang="en-US" smtClean="0"/>
-              <a:t>6/23/2013</a:t>
+              <a:t>9/29/2013</a:t>
             </a:fld>
             <a:endParaRPr lang="en-US" dirty="0"/>
           </a:p>
@@ -8295,7 +8166,11 @@
           <a:p>
             <a:r>
               <a:rPr lang="en-US" dirty="0" smtClean="0"/>
-              <a:t>The Functional Web</a:t>
+              <a:t>The Functional </a:t>
+            </a:r>
+            <a:r>
+              <a:rPr lang="en-US" dirty="0" smtClean="0"/>
+              <a:t>Web </a:t>
             </a:r>
             <a:endParaRPr lang="en-US" dirty="0"/>
           </a:p>
@@ -8303,25 +8178,241 @@
       </p:sp>
       <p:sp>
         <p:nvSpPr>
-          <p:cNvPr id="3" name="Subtitle 2"/>
-          <p:cNvSpPr>
-            <a:spLocks noGrp="1"/>
-          </p:cNvSpPr>
-          <p:nvPr>
-            <p:ph type="subTitle" idx="1"/>
-          </p:nvPr>
+          <p:cNvPr id="5" name="Subtitle 2"/>
+          <p:cNvSpPr>
+            <a:spLocks noGrp="1"/>
+          </p:cNvSpPr>
+          <p:nvPr/>
         </p:nvSpPr>
         <p:spPr>
           <a:xfrm>
-            <a:off x="7353623" y="4639412"/>
+            <a:off x="7678030" y="4786824"/>
             <a:ext cx="4331445" cy="2019660"/>
           </a:xfrm>
+          <a:prstGeom prst="rect">
+            <a:avLst/>
+          </a:prstGeom>
         </p:spPr>
         <p:txBody>
-          <a:bodyPr>
-            <a:normAutofit/>
+          <a:bodyPr vert="horz" lIns="91440" tIns="45720" rIns="91440" bIns="45720" rtlCol="0" anchor="t">
+            <a:normAutofit lnSpcReduction="10000"/>
           </a:bodyPr>
-          <a:lstStyle/>
+          <a:lstStyle>
+            <a:lvl1pPr marL="0" indent="0" algn="l" defTabSz="457200" rtl="0" eaLnBrk="1" latinLnBrk="0" hangingPunct="1">
+              <a:spcBef>
+                <a:spcPct val="20000"/>
+              </a:spcBef>
+              <a:spcAft>
+                <a:spcPts val="600"/>
+              </a:spcAft>
+              <a:buClr>
+                <a:schemeClr val="accent1"/>
+              </a:buClr>
+              <a:buSzPct val="80000"/>
+              <a:buFont typeface="Wingdings 3" charset="2"/>
+              <a:buNone/>
+              <a:defRPr sz="2000" b="0" i="0" kern="1200" cap="all">
+                <a:solidFill>
+                  <a:schemeClr val="accent1"/>
+                </a:solidFill>
+                <a:latin typeface="+mj-lt"/>
+                <a:ea typeface="+mj-ea"/>
+                <a:cs typeface="+mj-cs"/>
+              </a:defRPr>
+            </a:lvl1pPr>
+            <a:lvl2pPr marL="457200" indent="0" algn="ctr" defTabSz="457200" rtl="0" eaLnBrk="1" latinLnBrk="0" hangingPunct="1">
+              <a:spcBef>
+                <a:spcPct val="20000"/>
+              </a:spcBef>
+              <a:spcAft>
+                <a:spcPts val="600"/>
+              </a:spcAft>
+              <a:buClr>
+                <a:schemeClr val="accent1"/>
+              </a:buClr>
+              <a:buSzPct val="80000"/>
+              <a:buFont typeface="Wingdings 3" charset="2"/>
+              <a:buNone/>
+              <a:defRPr sz="1800" b="0" i="0" kern="1200">
+                <a:solidFill>
+                  <a:schemeClr val="tx1">
+                    <a:tint val="75000"/>
+                  </a:schemeClr>
+                </a:solidFill>
+                <a:latin typeface="+mj-lt"/>
+                <a:ea typeface="+mj-ea"/>
+                <a:cs typeface="+mj-cs"/>
+              </a:defRPr>
+            </a:lvl2pPr>
+            <a:lvl3pPr marL="914400" indent="0" algn="ctr" defTabSz="457200" rtl="0" eaLnBrk="1" latinLnBrk="0" hangingPunct="1">
+              <a:spcBef>
+                <a:spcPct val="20000"/>
+              </a:spcBef>
+              <a:spcAft>
+                <a:spcPts val="600"/>
+              </a:spcAft>
+              <a:buClr>
+                <a:schemeClr val="accent1"/>
+              </a:buClr>
+              <a:buSzPct val="80000"/>
+              <a:buFont typeface="Wingdings 3" charset="2"/>
+              <a:buNone/>
+              <a:defRPr sz="1600" b="0" i="0" kern="1200">
+                <a:solidFill>
+                  <a:schemeClr val="tx1">
+                    <a:tint val="75000"/>
+                  </a:schemeClr>
+                </a:solidFill>
+                <a:latin typeface="+mj-lt"/>
+                <a:ea typeface="+mj-ea"/>
+                <a:cs typeface="+mj-cs"/>
+              </a:defRPr>
+            </a:lvl3pPr>
+            <a:lvl4pPr marL="1371600" indent="0" algn="ctr" defTabSz="457200" rtl="0" eaLnBrk="1" latinLnBrk="0" hangingPunct="1">
+              <a:spcBef>
+                <a:spcPct val="20000"/>
+              </a:spcBef>
+              <a:spcAft>
+                <a:spcPts val="600"/>
+              </a:spcAft>
+              <a:buClr>
+                <a:schemeClr val="accent1"/>
+              </a:buClr>
+              <a:buSzPct val="80000"/>
+              <a:buFont typeface="Wingdings 3" charset="2"/>
+              <a:buNone/>
+              <a:defRPr sz="1400" b="0" i="0" kern="1200">
+                <a:solidFill>
+                  <a:schemeClr val="tx1">
+                    <a:tint val="75000"/>
+                  </a:schemeClr>
+                </a:solidFill>
+                <a:latin typeface="+mj-lt"/>
+                <a:ea typeface="+mj-ea"/>
+                <a:cs typeface="+mj-cs"/>
+              </a:defRPr>
+            </a:lvl4pPr>
+            <a:lvl5pPr marL="1828800" indent="0" algn="ctr" defTabSz="457200" rtl="0" eaLnBrk="1" latinLnBrk="0" hangingPunct="1">
+              <a:spcBef>
+                <a:spcPct val="20000"/>
+              </a:spcBef>
+              <a:spcAft>
+                <a:spcPts val="600"/>
+              </a:spcAft>
+              <a:buClr>
+                <a:schemeClr val="accent1"/>
+              </a:buClr>
+              <a:buSzPct val="80000"/>
+              <a:buFont typeface="Wingdings 3" charset="2"/>
+              <a:buNone/>
+              <a:defRPr sz="1400" b="0" i="0" kern="1200">
+                <a:solidFill>
+                  <a:schemeClr val="tx1">
+                    <a:tint val="75000"/>
+                  </a:schemeClr>
+                </a:solidFill>
+                <a:latin typeface="+mj-lt"/>
+                <a:ea typeface="+mj-ea"/>
+                <a:cs typeface="+mj-cs"/>
+              </a:defRPr>
+            </a:lvl5pPr>
+            <a:lvl6pPr marL="2286000" indent="0" algn="ctr" defTabSz="457200" rtl="0" eaLnBrk="1" latinLnBrk="0" hangingPunct="1">
+              <a:spcBef>
+                <a:spcPct val="20000"/>
+              </a:spcBef>
+              <a:spcAft>
+                <a:spcPts val="600"/>
+              </a:spcAft>
+              <a:buClr>
+                <a:schemeClr val="accent1"/>
+              </a:buClr>
+              <a:buSzPct val="80000"/>
+              <a:buFont typeface="Wingdings 3" charset="2"/>
+              <a:buNone/>
+              <a:defRPr sz="120" b="0" i="0" kern="1200">
+                <a:solidFill>
+                  <a:schemeClr val="tx1">
+                    <a:tint val="75000"/>
+                  </a:schemeClr>
+                </a:solidFill>
+                <a:latin typeface="+mj-lt"/>
+                <a:ea typeface="+mj-ea"/>
+                <a:cs typeface="+mj-cs"/>
+              </a:defRPr>
+            </a:lvl6pPr>
+            <a:lvl7pPr marL="2743200" indent="0" algn="ctr" defTabSz="457200" rtl="0" eaLnBrk="1" latinLnBrk="0" hangingPunct="1">
+              <a:spcBef>
+                <a:spcPct val="20000"/>
+              </a:spcBef>
+              <a:spcAft>
+                <a:spcPts val="600"/>
+              </a:spcAft>
+              <a:buClr>
+                <a:schemeClr val="accent1"/>
+              </a:buClr>
+              <a:buSzPct val="80000"/>
+              <a:buFont typeface="Wingdings 3" charset="2"/>
+              <a:buNone/>
+              <a:defRPr sz="120" b="0" i="0" kern="1200">
+                <a:solidFill>
+                  <a:schemeClr val="tx1">
+                    <a:tint val="75000"/>
+                  </a:schemeClr>
+                </a:solidFill>
+                <a:latin typeface="+mj-lt"/>
+                <a:ea typeface="+mj-ea"/>
+                <a:cs typeface="+mj-cs"/>
+              </a:defRPr>
+            </a:lvl7pPr>
+            <a:lvl8pPr marL="3200400" indent="0" algn="ctr" defTabSz="457200" rtl="0" eaLnBrk="1" latinLnBrk="0" hangingPunct="1">
+              <a:spcBef>
+                <a:spcPct val="20000"/>
+              </a:spcBef>
+              <a:spcAft>
+                <a:spcPts val="600"/>
+              </a:spcAft>
+              <a:buClr>
+                <a:schemeClr val="accent1"/>
+              </a:buClr>
+              <a:buSzPct val="80000"/>
+              <a:buFont typeface="Wingdings 3" charset="2"/>
+              <a:buNone/>
+              <a:defRPr sz="120" b="0" i="0" kern="1200">
+                <a:solidFill>
+                  <a:schemeClr val="tx1">
+                    <a:tint val="75000"/>
+                  </a:schemeClr>
+                </a:solidFill>
+                <a:latin typeface="+mj-lt"/>
+                <a:ea typeface="+mj-ea"/>
+                <a:cs typeface="+mj-cs"/>
+              </a:defRPr>
+            </a:lvl8pPr>
+            <a:lvl9pPr marL="3657600" indent="0" algn="ctr" defTabSz="457200" rtl="0" eaLnBrk="1" latinLnBrk="0" hangingPunct="1">
+              <a:spcBef>
+                <a:spcPct val="20000"/>
+              </a:spcBef>
+              <a:spcAft>
+                <a:spcPts val="600"/>
+              </a:spcAft>
+              <a:buClr>
+                <a:schemeClr val="accent1"/>
+              </a:buClr>
+              <a:buSzPct val="80000"/>
+              <a:buFont typeface="Wingdings 3" charset="2"/>
+              <a:buNone/>
+              <a:defRPr sz="120" b="0" i="0" kern="1200">
+                <a:solidFill>
+                  <a:schemeClr val="tx1">
+                    <a:tint val="75000"/>
+                  </a:schemeClr>
+                </a:solidFill>
+                <a:latin typeface="+mj-lt"/>
+                <a:ea typeface="+mj-ea"/>
+                <a:cs typeface="+mj-cs"/>
+              </a:defRPr>
+            </a:lvl9pPr>
+          </a:lstStyle>
           <a:p>
             <a:pPr marL="342900" indent="-342900">
               <a:buFont typeface="Arial"/>
@@ -8333,15 +8424,7 @@
                 <a:ea typeface="Segoe UI" panose="020B0502040204020203" pitchFamily="34" charset="0"/>
                 <a:cs typeface="Segoe UI" panose="020B0502040204020203" pitchFamily="34" charset="0"/>
               </a:rPr>
-              <a:t>Ryan Riley and Daniel </a:t>
-            </a:r>
-            <a:r>
-              <a:rPr lang="en-US" cap="none" dirty="0">
-                <a:latin typeface="Segoe UI" panose="020B0502040204020203" pitchFamily="34" charset="0"/>
-                <a:ea typeface="Segoe UI" panose="020B0502040204020203" pitchFamily="34" charset="0"/>
-                <a:cs typeface="Segoe UI" panose="020B0502040204020203" pitchFamily="34" charset="0"/>
-              </a:rPr>
-              <a:t>M</a:t>
+              <a:t>Daniel Mohl and Zach </a:t>
             </a:r>
             <a:r>
               <a:rPr lang="en-US" cap="none" dirty="0" smtClean="0">
@@ -8349,8 +8432,13 @@
                 <a:ea typeface="Segoe UI" panose="020B0502040204020203" pitchFamily="34" charset="0"/>
                 <a:cs typeface="Segoe UI" panose="020B0502040204020203" pitchFamily="34" charset="0"/>
               </a:rPr>
-              <a:t>ohl</a:t>
-            </a:r>
+              <a:t>Bray (originally by Ryan Riley)</a:t>
+            </a:r>
+            <a:endParaRPr lang="en-US" cap="none" dirty="0" smtClean="0">
+              <a:latin typeface="Segoe UI" panose="020B0502040204020203" pitchFamily="34" charset="0"/>
+              <a:ea typeface="Segoe UI" panose="020B0502040204020203" pitchFamily="34" charset="0"/>
+              <a:cs typeface="Segoe UI" panose="020B0502040204020203" pitchFamily="34" charset="0"/>
+            </a:endParaRPr>
           </a:p>
           <a:p>
             <a:pPr marL="342900" indent="-342900">
@@ -8371,7 +8459,7 @@
                 <a:ea typeface="Segoe UI" panose="020B0502040204020203" pitchFamily="34" charset="0"/>
                 <a:cs typeface="Segoe UI" panose="020B0502040204020203" pitchFamily="34" charset="0"/>
               </a:rPr>
-              <a:t>panesofglass</a:t>
+              <a:t>dmohl</a:t>
             </a:r>
             <a:r>
               <a:rPr lang="en-US" cap="none" dirty="0" smtClean="0">
@@ -8387,7 +8475,7 @@
                 <a:ea typeface="Segoe UI" panose="020B0502040204020203" pitchFamily="34" charset="0"/>
                 <a:cs typeface="Segoe UI" panose="020B0502040204020203" pitchFamily="34" charset="0"/>
               </a:rPr>
-              <a:t>dmohl</a:t>
+              <a:t>zbray</a:t>
             </a:r>
             <a:endParaRPr lang="en-US" cap="none" dirty="0" smtClean="0">
               <a:latin typeface="Segoe UI" panose="020B0502040204020203" pitchFamily="34" charset="0"/>
@@ -8401,20 +8489,12 @@
               <a:buChar char="•"/>
             </a:pPr>
             <a:r>
-              <a:rPr lang="en-US" cap="none" dirty="0">
-                <a:latin typeface="Segoe UI" panose="020B0502040204020203" pitchFamily="34" charset="0"/>
-                <a:ea typeface="Segoe UI" panose="020B0502040204020203" pitchFamily="34" charset="0"/>
-                <a:cs typeface="Segoe UI" panose="020B0502040204020203" pitchFamily="34" charset="0"/>
-              </a:rPr>
-              <a:t>w</a:t>
-            </a:r>
-            <a:r>
               <a:rPr lang="en-US" cap="none" dirty="0" smtClean="0">
                 <a:latin typeface="Segoe UI" panose="020B0502040204020203" pitchFamily="34" charset="0"/>
                 <a:ea typeface="Segoe UI" panose="020B0502040204020203" pitchFamily="34" charset="0"/>
                 <a:cs typeface="Segoe UI" panose="020B0502040204020203" pitchFamily="34" charset="0"/>
               </a:rPr>
-              <a:t>izardsofsmart.net</a:t>
+              <a:t>blog.danielmohl.com</a:t>
             </a:r>
           </a:p>
           <a:p>
@@ -8428,7 +8508,7 @@
                 <a:ea typeface="Segoe UI" panose="020B0502040204020203" pitchFamily="34" charset="0"/>
                 <a:cs typeface="Segoe UI" panose="020B0502040204020203" pitchFamily="34" charset="0"/>
               </a:rPr>
-              <a:t>Blog.danielmohl.com</a:t>
+              <a:t>zbray.com</a:t>
             </a:r>
           </a:p>
           <a:p>
@@ -8494,7 +8574,7 @@
           <a:p>
             <a:r>
               <a:rPr lang="en-US" dirty="0" smtClean="0"/>
-              <a:t>Define a Resource</a:t>
+              <a:t>Define an Application</a:t>
             </a:r>
             <a:endParaRPr lang="en-US" dirty="0"/>
           </a:p>
@@ -8512,13 +8592,13 @@
         </p:nvSpPr>
         <p:spPr>
           <a:xfrm>
-            <a:off x="646111" y="1997631"/>
-            <a:ext cx="11000457" cy="3869823"/>
+            <a:off x="646111" y="2119259"/>
+            <a:ext cx="10856078" cy="3603812"/>
           </a:xfrm>
         </p:spPr>
         <p:txBody>
           <a:bodyPr>
-            <a:normAutofit/>
+            <a:noAutofit/>
           </a:bodyPr>
           <a:lstStyle/>
           <a:p>
@@ -8537,28 +8617,28 @@
                 <a:latin typeface="Consolas"/>
                 <a:cs typeface="Consolas"/>
               </a:rPr>
-              <a:t>helloworld</a:t>
+              <a:t>todoListResource</a:t>
             </a:r>
             <a:r>
               <a:rPr lang="en-US" sz="2800" dirty="0">
                 <a:latin typeface="Consolas"/>
                 <a:cs typeface="Consolas"/>
               </a:rPr>
-              <a:t> request = </a:t>
+              <a:t> = route “/” (get </a:t>
             </a:r>
             <a:r>
               <a:rPr lang="en-US" sz="2800" dirty="0" err="1">
                 <a:latin typeface="Consolas"/>
                 <a:cs typeface="Consolas"/>
               </a:rPr>
-              <a:t>async</a:t>
+              <a:t>todoList</a:t>
             </a:r>
             <a:r>
               <a:rPr lang="en-US" sz="2800" dirty="0">
                 <a:latin typeface="Consolas"/>
                 <a:cs typeface="Consolas"/>
               </a:rPr>
-              <a:t> { … }</a:t>
+              <a:t> &lt;|&gt; …)</a:t>
             </a:r>
           </a:p>
           <a:p>
@@ -8570,21 +8650,21 @@
                 <a:latin typeface="Consolas"/>
                 <a:cs typeface="Consolas"/>
               </a:rPr>
-              <a:t>let echo request = </a:t>
+              <a:t>let </a:t>
             </a:r>
             <a:r>
               <a:rPr lang="en-US" sz="2800" dirty="0" err="1">
                 <a:latin typeface="Consolas"/>
                 <a:cs typeface="Consolas"/>
               </a:rPr>
-              <a:t>async</a:t>
+              <a:t>todoItemResource</a:t>
             </a:r>
             <a:r>
               <a:rPr lang="en-US" sz="2800" dirty="0">
                 <a:latin typeface="Consolas"/>
                 <a:cs typeface="Consolas"/>
               </a:rPr>
-              <a:t> { … }</a:t>
+              <a:t> = route “/item/{1}” (put …)</a:t>
             </a:r>
           </a:p>
           <a:p>
@@ -8604,21 +8684,35 @@
                 <a:latin typeface="Consolas"/>
                 <a:cs typeface="Consolas"/>
               </a:rPr>
-              <a:t>let resource = route “/” (get </a:t>
+              <a:t>let app = merge [ </a:t>
             </a:r>
             <a:r>
               <a:rPr lang="en-US" sz="2800" dirty="0" err="1">
                 <a:latin typeface="Consolas"/>
                 <a:cs typeface="Consolas"/>
               </a:rPr>
-              <a:t>helloworld</a:t>
+              <a:t>todoListResource</a:t>
             </a:r>
             <a:r>
               <a:rPr lang="en-US" sz="2800" dirty="0">
                 <a:latin typeface="Consolas"/>
                 <a:cs typeface="Consolas"/>
               </a:rPr>
-              <a:t> &lt;|&gt; post echo)</a:t>
+              <a:t>; </a:t>
+            </a:r>
+            <a:r>
+              <a:rPr lang="en-US" sz="2800" dirty="0" err="1">
+                <a:latin typeface="Consolas"/>
+                <a:cs typeface="Consolas"/>
+              </a:rPr>
+              <a:t>todoItemResource</a:t>
+            </a:r>
+            <a:r>
+              <a:rPr lang="en-US" sz="2800" dirty="0">
+                <a:latin typeface="Consolas"/>
+                <a:cs typeface="Consolas"/>
+              </a:rPr>
+              <a:t> ]</a:t>
             </a:r>
           </a:p>
         </p:txBody>
@@ -8626,18 +8720,18 @@
     </p:spTree>
     <p:extLst>
       <p:ext uri="{BB962C8B-B14F-4D97-AF65-F5344CB8AC3E}">
-        <p14:creationId xmlns:p14="http://schemas.microsoft.com/office/powerpoint/2010/main" val="2148083016"/>
+        <p14:creationId xmlns:p14="http://schemas.microsoft.com/office/powerpoint/2010/main" val="357962463"/>
       </p:ext>
     </p:extLst>
   </p:cSld>
   <p:clrMapOvr>
     <a:masterClrMapping/>
   </p:clrMapOvr>
-  <mc:AlternateContent xmlns:mc="http://schemas.openxmlformats.org/markup-compatibility/2006">
-    <mc:Choice xmlns:p14="http://schemas.microsoft.com/office/powerpoint/2010/main" Requires="p14">
+  <mc:AlternateContent xmlns:mc="http://schemas.openxmlformats.org/markup-compatibility/2006" xmlns:p14="http://schemas.microsoft.com/office/powerpoint/2010/main">
+    <mc:Choice Requires="p14">
       <p:transition spd="slow" p14:dur="2000"/>
     </mc:Choice>
-    <mc:Fallback>
+    <mc:Fallback xmlns="">
       <p:transition spd="slow"/>
     </mc:Fallback>
   </mc:AlternateContent>
@@ -8685,7 +8779,11 @@
           <a:p>
             <a:r>
               <a:rPr lang="en-US" dirty="0" smtClean="0"/>
-              <a:t>Define an Application</a:t>
+              <a:t>Leverage </a:t>
+            </a:r>
+            <a:r>
+              <a:rPr lang="en-US" dirty="0" err="1" smtClean="0"/>
+              <a:t>Conneg</a:t>
             </a:r>
             <a:endParaRPr lang="en-US" dirty="0"/>
           </a:p>
@@ -8703,13 +8801,13 @@
         </p:nvSpPr>
         <p:spPr>
           <a:xfrm>
-            <a:off x="646111" y="2119259"/>
-            <a:ext cx="10856078" cy="3603812"/>
+            <a:off x="818147" y="2119259"/>
+            <a:ext cx="10744200" cy="3603812"/>
           </a:xfrm>
         </p:spPr>
         <p:txBody>
           <a:bodyPr>
-            <a:noAutofit/>
+            <a:normAutofit/>
           </a:bodyPr>
           <a:lstStyle/>
           <a:p>
@@ -8724,32 +8822,43 @@
               <a:t>let </a:t>
             </a:r>
             <a:r>
+              <a:rPr lang="en-US" sz="2800" dirty="0">
+                <a:latin typeface="Consolas"/>
+                <a:cs typeface="Consolas"/>
+              </a:rPr>
+              <a:t>echo = </a:t>
+            </a:r>
+            <a:r>
               <a:rPr lang="en-US" sz="2800" dirty="0" err="1">
                 <a:latin typeface="Consolas"/>
                 <a:cs typeface="Consolas"/>
               </a:rPr>
-              <a:t>todoListResource</a:t>
+              <a:t>negotiateMediaType</a:t>
             </a:r>
             <a:r>
               <a:rPr lang="en-US" sz="2800" dirty="0">
                 <a:latin typeface="Consolas"/>
                 <a:cs typeface="Consolas"/>
               </a:rPr>
-              <a:t> = route “/” (get </a:t>
-            </a:r>
-            <a:r>
-              <a:rPr lang="en-US" sz="2800" dirty="0" err="1">
-                <a:latin typeface="Consolas"/>
-                <a:cs typeface="Consolas"/>
+              <a:t> formatters</a:t>
+            </a:r>
+          </a:p>
+          <a:p>
+            <a:pPr marL="0" indent="0">
+              <a:buNone/>
+            </a:pPr>
+            <a:r>
+              <a:rPr lang="en-US" sz="2800" dirty="0">
+                <a:latin typeface="Monaco" pitchFamily="2" charset="0"/>
               </a:rPr>
-              <a:t>todoList</a:t>
+              <a:t>           </a:t>
             </a:r>
             <a:r>
               <a:rPr lang="en-US" sz="2800" dirty="0">
                 <a:latin typeface="Consolas"/>
                 <a:cs typeface="Consolas"/>
               </a:rPr>
-              <a:t> &lt;|&gt; …)</a:t>
+              <a:t>&lt;| fun request -&gt;</a:t>
             </a:r>
           </a:p>
           <a:p>
@@ -8761,76 +8870,32 @@
                 <a:latin typeface="Consolas"/>
                 <a:cs typeface="Consolas"/>
               </a:rPr>
-              <a:t>let </a:t>
-            </a:r>
-            <a:r>
-              <a:rPr lang="en-US" sz="2800" dirty="0" err="1">
+              <a:t>       </a:t>
+            </a:r>
+            <a:r>
+              <a:rPr lang="en-US" sz="2800" dirty="0" err="1" smtClean="0">
                 <a:latin typeface="Consolas"/>
                 <a:cs typeface="Consolas"/>
               </a:rPr>
-              <a:t>todoItemResource</a:t>
+              <a:t>request.Content.AsyncReadAsString</a:t>
             </a:r>
             <a:r>
               <a:rPr lang="en-US" sz="2800" dirty="0">
                 <a:latin typeface="Consolas"/>
                 <a:cs typeface="Consolas"/>
               </a:rPr>
-              <a:t> = route “/item/{1}” (put …)</a:t>
+              <a:t>())</a:t>
             </a:r>
           </a:p>
           <a:p>
             <a:pPr marL="0" indent="0">
               <a:buNone/>
             </a:pPr>
-            <a:endParaRPr lang="en-US" sz="2800" dirty="0">
-              <a:latin typeface="Monaco" pitchFamily="2" charset="0"/>
-            </a:endParaRPr>
-          </a:p>
-          <a:p>
-            <a:pPr marL="0" indent="0">
-              <a:buNone/>
-            </a:pPr>
             <a:r>
               <a:rPr lang="en-US" sz="2800" dirty="0">
-                <a:latin typeface="Consolas"/>
-                <a:cs typeface="Consolas"/>
+                <a:latin typeface="Monaco" pitchFamily="2" charset="0"/>
               </a:rPr>
-              <a:t>let app = merge [ </a:t>
-            </a:r>
-            <a:r>
-              <a:rPr lang="en-US" sz="2800" dirty="0" err="1">
-                <a:latin typeface="Consolas"/>
-                <a:cs typeface="Consolas"/>
-              </a:rPr>
-              <a:t>todoListResource</a:t>
-            </a:r>
-            <a:r>
-              <a:rPr lang="en-US" sz="2800" dirty="0">
-                <a:latin typeface="Consolas"/>
-                <a:cs typeface="Consolas"/>
-              </a:rPr>
-              <a:t>; </a:t>
-            </a:r>
-            <a:r>
-              <a:rPr lang="en-US" sz="2800" dirty="0" err="1">
-                <a:latin typeface="Consolas"/>
-                <a:cs typeface="Consolas"/>
-              </a:rPr>
-              <a:t>todoItemResource</a:t>
-            </a:r>
-            <a:r>
-              <a:rPr lang="en-US" sz="2800" dirty="0">
-                <a:latin typeface="Consolas"/>
-                <a:cs typeface="Consolas"/>
-              </a:rPr>
-              <a:t> </a:t>
-            </a:r>
-            <a:r>
-              <a:rPr lang="en-US" sz="2800" dirty="0">
-                <a:latin typeface="Consolas"/>
-                <a:cs typeface="Consolas"/>
-              </a:rPr>
-              <a:t>]</a:t>
+              <a:t>           </a:t>
             </a:r>
           </a:p>
         </p:txBody>
@@ -8838,18 +8903,18 @@
     </p:spTree>
     <p:extLst>
       <p:ext uri="{BB962C8B-B14F-4D97-AF65-F5344CB8AC3E}">
-        <p14:creationId xmlns:p14="http://schemas.microsoft.com/office/powerpoint/2010/main" val="357962463"/>
+        <p14:creationId xmlns:p14="http://schemas.microsoft.com/office/powerpoint/2010/main" val="3435325447"/>
       </p:ext>
     </p:extLst>
   </p:cSld>
   <p:clrMapOvr>
     <a:masterClrMapping/>
   </p:clrMapOvr>
-  <mc:AlternateContent xmlns:mc="http://schemas.openxmlformats.org/markup-compatibility/2006">
-    <mc:Choice xmlns:p14="http://schemas.microsoft.com/office/powerpoint/2010/main" Requires="p14">
+  <mc:AlternateContent xmlns:mc="http://schemas.openxmlformats.org/markup-compatibility/2006" xmlns:p14="http://schemas.microsoft.com/office/powerpoint/2010/main">
+    <mc:Choice Requires="p14">
       <p:transition spd="slow" p14:dur="2000"/>
     </mc:Choice>
-    <mc:Fallback>
+    <mc:Fallback xmlns="">
       <p:transition spd="slow"/>
     </mc:Fallback>
   </mc:AlternateContent>
@@ -8864,189 +8929,6 @@
 </file>
 
 <file path=ppt/slides/slide12.xml><?xml version="1.0" encoding="utf-8"?>
-<p:sld xmlns:a="http://schemas.openxmlformats.org/drawingml/2006/main" xmlns:r="http://schemas.openxmlformats.org/officeDocument/2006/relationships" xmlns:p="http://schemas.openxmlformats.org/presentationml/2006/main" show="0">
-  <p:cSld>
-    <p:spTree>
-      <p:nvGrpSpPr>
-        <p:cNvPr id="1" name=""/>
-        <p:cNvGrpSpPr/>
-        <p:nvPr/>
-      </p:nvGrpSpPr>
-      <p:grpSpPr>
-        <a:xfrm>
-          <a:off x="0" y="0"/>
-          <a:ext cx="0" cy="0"/>
-          <a:chOff x="0" y="0"/>
-          <a:chExt cx="0" cy="0"/>
-        </a:xfrm>
-      </p:grpSpPr>
-      <p:sp>
-        <p:nvSpPr>
-          <p:cNvPr id="2" name="Title 1"/>
-          <p:cNvSpPr>
-            <a:spLocks noGrp="1"/>
-          </p:cNvSpPr>
-          <p:nvPr>
-            <p:ph type="title"/>
-          </p:nvPr>
-        </p:nvSpPr>
-        <p:spPr/>
-        <p:txBody>
-          <a:bodyPr/>
-          <a:lstStyle/>
-          <a:p>
-            <a:r>
-              <a:rPr lang="en-US" dirty="0" smtClean="0"/>
-              <a:t>Leverage </a:t>
-            </a:r>
-            <a:r>
-              <a:rPr lang="en-US" dirty="0" err="1" smtClean="0"/>
-              <a:t>Conneg</a:t>
-            </a:r>
-            <a:endParaRPr lang="en-US" dirty="0"/>
-          </a:p>
-        </p:txBody>
-      </p:sp>
-      <p:sp>
-        <p:nvSpPr>
-          <p:cNvPr id="4" name="Content Placeholder 2"/>
-          <p:cNvSpPr>
-            <a:spLocks noGrp="1"/>
-          </p:cNvSpPr>
-          <p:nvPr>
-            <p:ph idx="1"/>
-          </p:nvPr>
-        </p:nvSpPr>
-        <p:spPr>
-          <a:xfrm>
-            <a:off x="818147" y="2119259"/>
-            <a:ext cx="10744200" cy="3603812"/>
-          </a:xfrm>
-        </p:spPr>
-        <p:txBody>
-          <a:bodyPr>
-            <a:normAutofit/>
-          </a:bodyPr>
-          <a:lstStyle/>
-          <a:p>
-            <a:pPr marL="0" indent="0">
-              <a:buNone/>
-            </a:pPr>
-            <a:r>
-              <a:rPr lang="en-US" sz="2800" dirty="0" smtClean="0">
-                <a:latin typeface="Consolas"/>
-                <a:cs typeface="Consolas"/>
-              </a:rPr>
-              <a:t>let </a:t>
-            </a:r>
-            <a:r>
-              <a:rPr lang="en-US" sz="2800" dirty="0">
-                <a:latin typeface="Consolas"/>
-                <a:cs typeface="Consolas"/>
-              </a:rPr>
-              <a:t>echo = </a:t>
-            </a:r>
-            <a:r>
-              <a:rPr lang="en-US" sz="2800" dirty="0" err="1">
-                <a:latin typeface="Consolas"/>
-                <a:cs typeface="Consolas"/>
-              </a:rPr>
-              <a:t>negotiateMediaType</a:t>
-            </a:r>
-            <a:r>
-              <a:rPr lang="en-US" sz="2800" dirty="0">
-                <a:latin typeface="Consolas"/>
-                <a:cs typeface="Consolas"/>
-              </a:rPr>
-              <a:t> formatters</a:t>
-            </a:r>
-          </a:p>
-          <a:p>
-            <a:pPr marL="0" indent="0">
-              <a:buNone/>
-            </a:pPr>
-            <a:r>
-              <a:rPr lang="en-US" sz="2800" dirty="0">
-                <a:latin typeface="Monaco" pitchFamily="2" charset="0"/>
-              </a:rPr>
-              <a:t>           </a:t>
-            </a:r>
-            <a:r>
-              <a:rPr lang="en-US" sz="2800" dirty="0">
-                <a:latin typeface="Consolas"/>
-                <a:cs typeface="Consolas"/>
-              </a:rPr>
-              <a:t>&lt;| fun request -&gt;</a:t>
-            </a:r>
-          </a:p>
-          <a:p>
-            <a:pPr marL="0" indent="0">
-              <a:buNone/>
-            </a:pPr>
-            <a:r>
-              <a:rPr lang="en-US" sz="2800" dirty="0">
-                <a:latin typeface="Consolas"/>
-                <a:cs typeface="Consolas"/>
-              </a:rPr>
-              <a:t>       </a:t>
-            </a:r>
-            <a:r>
-              <a:rPr lang="en-US" sz="2800" dirty="0" err="1" smtClean="0">
-                <a:latin typeface="Consolas"/>
-                <a:cs typeface="Consolas"/>
-              </a:rPr>
-              <a:t>request.Content.AsyncReadAsString</a:t>
-            </a:r>
-            <a:r>
-              <a:rPr lang="en-US" sz="2800" dirty="0">
-                <a:latin typeface="Consolas"/>
-                <a:cs typeface="Consolas"/>
-              </a:rPr>
-              <a:t>())</a:t>
-            </a:r>
-          </a:p>
-          <a:p>
-            <a:pPr marL="0" indent="0">
-              <a:buNone/>
-            </a:pPr>
-            <a:r>
-              <a:rPr lang="en-US" sz="2800" dirty="0">
-                <a:latin typeface="Monaco" pitchFamily="2" charset="0"/>
-              </a:rPr>
-              <a:t>           </a:t>
-            </a:r>
-          </a:p>
-        </p:txBody>
-      </p:sp>
-    </p:spTree>
-    <p:extLst>
-      <p:ext uri="{BB962C8B-B14F-4D97-AF65-F5344CB8AC3E}">
-        <p14:creationId xmlns:p14="http://schemas.microsoft.com/office/powerpoint/2010/main" val="3435325447"/>
-      </p:ext>
-    </p:extLst>
-  </p:cSld>
-  <p:clrMapOvr>
-    <a:masterClrMapping/>
-  </p:clrMapOvr>
-  <mc:AlternateContent xmlns:mc="http://schemas.openxmlformats.org/markup-compatibility/2006">
-    <mc:Choice xmlns:p14="http://schemas.microsoft.com/office/powerpoint/2010/main" Requires="p14">
-      <p:transition spd="slow" p14:dur="2000"/>
-    </mc:Choice>
-    <mc:Fallback>
-      <p:transition spd="slow"/>
-    </mc:Fallback>
-  </mc:AlternateContent>
-  <p:timing>
-    <p:tnLst>
-      <p:par>
-        <p:cTn id="1" dur="indefinite" restart="never" nodeType="tmRoot"/>
-      </p:par>
-    </p:tnLst>
-  </p:timing>
-</p:sld>
-</file>
-
-<file path=ppt/slides/slide13.xml><?xml version="1.0" encoding="utf-8"?>
 <p:sld xmlns:a="http://schemas.openxmlformats.org/drawingml/2006/main" xmlns:r="http://schemas.openxmlformats.org/officeDocument/2006/relationships" xmlns:p="http://schemas.openxmlformats.org/presentationml/2006/main" show="0">
   <p:cSld>
     <p:spTree>
@@ -9171,11 +9053,11 @@
   <p:clrMapOvr>
     <a:masterClrMapping/>
   </p:clrMapOvr>
-  <mc:AlternateContent xmlns:mc="http://schemas.openxmlformats.org/markup-compatibility/2006">
-    <mc:Choice xmlns:p14="http://schemas.microsoft.com/office/powerpoint/2010/main" Requires="p14">
+  <mc:AlternateContent xmlns:mc="http://schemas.openxmlformats.org/markup-compatibility/2006" xmlns:p14="http://schemas.microsoft.com/office/powerpoint/2010/main">
+    <mc:Choice Requires="p14">
       <p:transition spd="slow" p14:dur="2000"/>
     </mc:Choice>
-    <mc:Fallback>
+    <mc:Fallback xmlns="">
       <p:transition spd="slow"/>
     </mc:Fallback>
   </mc:AlternateContent>
@@ -9407,19 +9289,8 @@
                 <a:latin typeface="Consolas"/>
                 <a:cs typeface="Consolas"/>
               </a:rPr>
-              <a:t>-&gt; </a:t>
-            </a:r>
-            <a:r>
-              <a:rPr lang="en-US" sz="3200" dirty="0">
-                <a:latin typeface="Consolas"/>
-                <a:cs typeface="Consolas"/>
-              </a:rPr>
-              <a:t>HttpResponseMessage</a:t>
-            </a:r>
-            <a:endParaRPr lang="en-US" sz="3200" dirty="0">
-              <a:latin typeface="Consolas"/>
-              <a:cs typeface="Consolas"/>
-            </a:endParaRPr>
+              <a:t>-&gt; HttpResponseMessage</a:t>
+            </a:r>
           </a:p>
         </p:txBody>
       </p:sp>
@@ -9526,11 +9397,7 @@
             </a:pPr>
             <a:r>
               <a:rPr lang="en-US" sz="2800" dirty="0" smtClean="0"/>
-              <a:t>+ PUT /</a:t>
-            </a:r>
-            <a:r>
-              <a:rPr lang="en-US" sz="2800" dirty="0" smtClean="0"/>
-              <a:t>item/1</a:t>
+              <a:t>+ PUT /item/1</a:t>
             </a:r>
           </a:p>
           <a:p>
@@ -9541,7 +9408,6 @@
               <a:rPr lang="en-US" sz="2800" dirty="0" smtClean="0"/>
               <a:t>+ DELETE /item/1</a:t>
             </a:r>
-            <a:endParaRPr lang="en-US" sz="2800" dirty="0" smtClean="0"/>
           </a:p>
           <a:p>
             <a:pPr marL="0" indent="0">
@@ -9549,13 +9415,8 @@
             </a:pPr>
             <a:r>
               <a:rPr lang="en-US" sz="2800" dirty="0" smtClean="0"/>
-              <a:t>+ OPTIONS /</a:t>
-            </a:r>
-            <a:r>
-              <a:rPr lang="en-US" sz="2800" dirty="0" smtClean="0"/>
-              <a:t>item/1</a:t>
-            </a:r>
-            <a:endParaRPr lang="en-US" sz="2800" dirty="0" smtClean="0"/>
+              <a:t>+ OPTIONS /item/1</a:t>
+            </a:r>
           </a:p>
         </p:txBody>
       </p:sp>
@@ -10750,7 +10611,7 @@
 </file>
 
 <file path=ppt/slides/slide6.xml><?xml version="1.0" encoding="utf-8"?>
-<p:sld xmlns:a="http://schemas.openxmlformats.org/drawingml/2006/main" xmlns:r="http://schemas.openxmlformats.org/officeDocument/2006/relationships" xmlns:p="http://schemas.openxmlformats.org/presentationml/2006/main">
+<p:sld xmlns:a="http://schemas.openxmlformats.org/drawingml/2006/main" xmlns:r="http://schemas.openxmlformats.org/officeDocument/2006/relationships" xmlns:p="http://schemas.openxmlformats.org/presentationml/2006/main" show="0">
   <p:cSld>
     <p:spTree>
       <p:nvGrpSpPr>
@@ -10783,7 +10644,7 @@
           <a:p>
             <a:r>
               <a:rPr lang="en-US" dirty="0" smtClean="0"/>
-              <a:t>Break</a:t>
+              <a:t>Frank</a:t>
             </a:r>
             <a:endParaRPr lang="en-US" dirty="0"/>
           </a:p>
@@ -10808,24 +10669,36 @@
           <a:p>
             <a:r>
               <a:rPr lang="en-US" sz="2800" dirty="0" smtClean="0"/>
-              <a:t>When we come back:</a:t>
-            </a:r>
+              <a:t>F# DSL using </a:t>
+            </a:r>
+            <a:r>
+              <a:rPr lang="en-US" sz="2800" dirty="0" err="1" smtClean="0"/>
+              <a:t>System.Net.Http</a:t>
+            </a:r>
+            <a:endParaRPr lang="en-US" sz="2800" dirty="0" smtClean="0"/>
           </a:p>
           <a:p>
             <a:r>
               <a:rPr lang="en-US" sz="2800" dirty="0" smtClean="0"/>
-              <a:t>Migrate client to HTML + JS with </a:t>
-            </a:r>
-            <a:r>
-              <a:rPr lang="en-US" sz="2800" dirty="0" err="1" smtClean="0"/>
-              <a:t>FunScript</a:t>
-            </a:r>
-            <a:endParaRPr lang="en-US" sz="2800" dirty="0" smtClean="0"/>
-          </a:p>
-          <a:p>
-            <a:r>
-              <a:rPr lang="en-US" sz="2800" smtClean="0"/>
-              <a:t>Migrate server to Web API</a:t>
+              <a:t>Headers composition</a:t>
+            </a:r>
+          </a:p>
+          <a:p>
+            <a:r>
+              <a:rPr lang="en-US" sz="2800" dirty="0" smtClean="0"/>
+              <a:t>Follows the natural composition of HTTP</a:t>
+            </a:r>
+          </a:p>
+          <a:p>
+            <a:r>
+              <a:rPr lang="en-US" sz="2800" dirty="0" smtClean="0"/>
+              <a:t>Frank Resources == HTTP Resources</a:t>
+            </a:r>
+          </a:p>
+          <a:p>
+            <a:r>
+              <a:rPr lang="en-US" sz="2800" dirty="0" smtClean="0"/>
+              <a:t>Define your own conventions!</a:t>
             </a:r>
             <a:endParaRPr lang="en-US" sz="2800" dirty="0"/>
           </a:p>
@@ -10834,13 +10707,21 @@
     </p:spTree>
     <p:extLst>
       <p:ext uri="{BB962C8B-B14F-4D97-AF65-F5344CB8AC3E}">
-        <p14:creationId xmlns:p14="http://schemas.microsoft.com/office/powerpoint/2010/main" val="1077623811"/>
+        <p14:creationId xmlns:p14="http://schemas.microsoft.com/office/powerpoint/2010/main" val="1532543768"/>
       </p:ext>
     </p:extLst>
   </p:cSld>
   <p:clrMapOvr>
     <a:masterClrMapping/>
   </p:clrMapOvr>
+  <mc:AlternateContent xmlns:mc="http://schemas.openxmlformats.org/markup-compatibility/2006" xmlns:p14="http://schemas.microsoft.com/office/powerpoint/2010/main">
+    <mc:Choice Requires="p14">
+      <p:transition spd="slow" p14:dur="2000"/>
+    </mc:Choice>
+    <mc:Fallback xmlns="">
+      <p:transition spd="slow"/>
+    </mc:Fallback>
+  </mc:AlternateContent>
   <p:timing>
     <p:tnLst>
       <p:par>
@@ -10880,86 +10761,132 @@
         </p:nvSpPr>
         <p:spPr/>
         <p:txBody>
-          <a:bodyPr/>
-          <a:lstStyle/>
-          <a:p>
-            <a:r>
-              <a:rPr lang="en-US" dirty="0" smtClean="0"/>
-              <a:t>Frank</a:t>
-            </a:r>
-            <a:endParaRPr lang="en-US" dirty="0"/>
-          </a:p>
-        </p:txBody>
-      </p:sp>
-      <p:sp>
-        <p:nvSpPr>
-          <p:cNvPr id="3" name="Content Placeholder 2"/>
-          <p:cNvSpPr>
-            <a:spLocks noGrp="1"/>
-          </p:cNvSpPr>
-          <p:nvPr>
-            <p:ph idx="1"/>
-          </p:nvPr>
-        </p:nvSpPr>
-        <p:spPr/>
-        <p:txBody>
           <a:bodyPr>
             <a:normAutofit/>
           </a:bodyPr>
           <a:lstStyle/>
           <a:p>
             <a:r>
-              <a:rPr lang="en-US" sz="2800" dirty="0" smtClean="0"/>
-              <a:t>F# DSL using </a:t>
-            </a:r>
-            <a:r>
-              <a:rPr lang="en-US" sz="2800" dirty="0" err="1" smtClean="0"/>
-              <a:t>System.Net.Http</a:t>
-            </a:r>
-            <a:endParaRPr lang="en-US" sz="2800" dirty="0" smtClean="0"/>
-          </a:p>
-          <a:p>
-            <a:r>
-              <a:rPr lang="en-US" sz="2800" dirty="0" smtClean="0"/>
-              <a:t>Headers composition</a:t>
-            </a:r>
-          </a:p>
-          <a:p>
-            <a:r>
-              <a:rPr lang="en-US" sz="2800" dirty="0" smtClean="0"/>
-              <a:t>Follows the natural composition of HTTP</a:t>
-            </a:r>
-          </a:p>
-          <a:p>
-            <a:r>
-              <a:rPr lang="en-US" sz="2800" dirty="0" smtClean="0"/>
-              <a:t>Frank Resources == HTTP Resources</a:t>
-            </a:r>
-          </a:p>
-          <a:p>
-            <a:r>
-              <a:rPr lang="en-US" sz="2800" dirty="0" smtClean="0"/>
-              <a:t>Define your own conventions!</a:t>
-            </a:r>
-            <a:endParaRPr lang="en-US" sz="2800" dirty="0"/>
+              <a:rPr lang="en-US" dirty="0" smtClean="0"/>
+              <a:t>Simplest </a:t>
+            </a:r>
+            <a:r>
+              <a:rPr lang="en-US" strike="sngStrike" dirty="0" smtClean="0"/>
+              <a:t>HTTP</a:t>
+            </a:r>
+            <a:r>
+              <a:rPr lang="en-US" dirty="0" smtClean="0"/>
+              <a:t> Frank Application</a:t>
+            </a:r>
+            <a:endParaRPr lang="en-US" dirty="0"/>
+          </a:p>
+        </p:txBody>
+      </p:sp>
+      <p:sp>
+        <p:nvSpPr>
+          <p:cNvPr id="3" name="Content Placeholder 2"/>
+          <p:cNvSpPr>
+            <a:spLocks noGrp="1"/>
+          </p:cNvSpPr>
+          <p:nvPr>
+            <p:ph idx="1"/>
+          </p:nvPr>
+        </p:nvSpPr>
+        <p:spPr>
+          <a:xfrm>
+            <a:off x="481263" y="2052918"/>
+            <a:ext cx="11165305" cy="4195481"/>
+          </a:xfrm>
+        </p:spPr>
+        <p:txBody>
+          <a:bodyPr>
+            <a:normAutofit/>
+          </a:bodyPr>
+          <a:lstStyle/>
+          <a:p>
+            <a:pPr marL="0" indent="0" algn="ctr">
+              <a:buNone/>
+            </a:pPr>
+            <a:r>
+              <a:rPr lang="en-US" sz="3200" dirty="0" err="1" smtClean="0">
+                <a:latin typeface="Consolas"/>
+                <a:cs typeface="Consolas"/>
+              </a:rPr>
+              <a:t>HttpRequestMessage</a:t>
+            </a:r>
+            <a:r>
+              <a:rPr lang="en-US" sz="3200" dirty="0" smtClean="0">
+                <a:latin typeface="Consolas"/>
+                <a:cs typeface="Consolas"/>
+              </a:rPr>
+              <a:t> </a:t>
+            </a:r>
+            <a:r>
+              <a:rPr lang="en-US" sz="3200" dirty="0">
+                <a:latin typeface="Consolas"/>
+                <a:cs typeface="Consolas"/>
+              </a:rPr>
+              <a:t>-&gt; </a:t>
+            </a:r>
+            <a:r>
+              <a:rPr lang="en-US" sz="3200" strike="sngStrike" dirty="0">
+                <a:latin typeface="Consolas"/>
+                <a:cs typeface="Consolas"/>
+              </a:rPr>
+              <a:t>HttpResponseMessage</a:t>
+            </a:r>
+          </a:p>
+          <a:p>
+            <a:pPr marL="0" indent="0" algn="ctr">
+              <a:buNone/>
+            </a:pPr>
+            <a:endParaRPr lang="en-US" sz="3200" strike="sngStrike" dirty="0">
+              <a:latin typeface="Monaco" pitchFamily="2" charset="0"/>
+            </a:endParaRPr>
+          </a:p>
+          <a:p>
+            <a:pPr marL="0" indent="0" algn="ctr">
+              <a:buNone/>
+            </a:pPr>
+            <a:r>
+              <a:rPr lang="en-US" sz="3200" dirty="0">
+                <a:latin typeface="Consolas"/>
+                <a:cs typeface="Consolas"/>
+              </a:rPr>
+              <a:t>HttpRequestMessage -&gt; </a:t>
+            </a:r>
+            <a:r>
+              <a:rPr lang="en-US" sz="3200" dirty="0" err="1">
+                <a:latin typeface="Consolas"/>
+                <a:cs typeface="Consolas"/>
+              </a:rPr>
+              <a:t>Async</a:t>
+            </a:r>
+            <a:r>
+              <a:rPr lang="en-US" sz="3200" dirty="0">
+                <a:latin typeface="Consolas"/>
+                <a:cs typeface="Consolas"/>
+              </a:rPr>
+              <a:t>&lt;HttpResponseMessage&gt;</a:t>
+            </a:r>
           </a:p>
         </p:txBody>
       </p:sp>
     </p:spTree>
     <p:extLst>
       <p:ext uri="{BB962C8B-B14F-4D97-AF65-F5344CB8AC3E}">
-        <p14:creationId xmlns:p14="http://schemas.microsoft.com/office/powerpoint/2010/main" val="1532543768"/>
+        <p14:creationId xmlns:p14="http://schemas.microsoft.com/office/powerpoint/2010/main" val="540654935"/>
       </p:ext>
     </p:extLst>
   </p:cSld>
   <p:clrMapOvr>
     <a:masterClrMapping/>
   </p:clrMapOvr>
-  <mc:AlternateContent xmlns:mc="http://schemas.openxmlformats.org/markup-compatibility/2006">
-    <mc:Choice xmlns:p14="http://schemas.microsoft.com/office/powerpoint/2010/main" Requires="p14">
+  <mc:AlternateContent xmlns:mc="http://schemas.openxmlformats.org/markup-compatibility/2006" xmlns:p14="http://schemas.microsoft.com/office/powerpoint/2010/main">
+    <mc:Choice Requires="p14">
       <p:transition spd="slow" p14:dur="2000"/>
     </mc:Choice>
-    <mc:Fallback>
+    <mc:Fallback xmlns="">
       <p:transition spd="slow"/>
     </mc:Fallback>
   </mc:AlternateContent>
@@ -11002,22 +10929,12 @@
         </p:nvSpPr>
         <p:spPr/>
         <p:txBody>
-          <a:bodyPr>
-            <a:normAutofit/>
-          </a:bodyPr>
+          <a:bodyPr/>
           <a:lstStyle/>
           <a:p>
             <a:r>
               <a:rPr lang="en-US" dirty="0" smtClean="0"/>
-              <a:t>Simplest </a:t>
-            </a:r>
-            <a:r>
-              <a:rPr lang="en-US" strike="sngStrike" dirty="0" smtClean="0"/>
-              <a:t>HTTP</a:t>
-            </a:r>
-            <a:r>
-              <a:rPr lang="en-US" dirty="0" smtClean="0"/>
-              <a:t> Frank Application</a:t>
+              <a:t>Define a Method Handler</a:t>
             </a:r>
             <a:endParaRPr lang="en-US" dirty="0"/>
           </a:p>
@@ -11035,103 +10952,217 @@
         </p:nvSpPr>
         <p:spPr>
           <a:xfrm>
-            <a:off x="481263" y="2052918"/>
-            <a:ext cx="11165305" cy="4195481"/>
+            <a:off x="445168" y="1696452"/>
+            <a:ext cx="11273590" cy="4551947"/>
           </a:xfrm>
         </p:spPr>
         <p:txBody>
           <a:bodyPr>
-            <a:normAutofit/>
+            <a:noAutofit/>
           </a:bodyPr>
           <a:lstStyle/>
           <a:p>
-            <a:pPr marL="0" indent="0" algn="ctr">
+            <a:pPr marL="0" indent="0">
               <a:buNone/>
             </a:pPr>
             <a:r>
-              <a:rPr lang="en-US" sz="3200" dirty="0" err="1" smtClean="0">
+              <a:rPr lang="en-US" sz="2800" dirty="0" smtClean="0">
                 <a:latin typeface="Consolas"/>
                 <a:cs typeface="Consolas"/>
               </a:rPr>
-              <a:t>HttpRequestMessage</a:t>
-            </a:r>
-            <a:r>
-              <a:rPr lang="en-US" sz="3200" dirty="0" smtClean="0">
+              <a:t>// </a:t>
+            </a:r>
+            <a:r>
+              <a:rPr lang="en-US" sz="2800" dirty="0">
                 <a:latin typeface="Consolas"/>
                 <a:cs typeface="Consolas"/>
               </a:rPr>
-              <a:t> </a:t>
-            </a:r>
-            <a:r>
-              <a:rPr lang="en-US" sz="3200" dirty="0">
+              <a:t>handler</a:t>
+            </a:r>
+          </a:p>
+          <a:p>
+            <a:pPr marL="0" indent="0">
+              <a:buNone/>
+            </a:pPr>
+            <a:r>
+              <a:rPr lang="en-US" sz="2800" dirty="0">
                 <a:latin typeface="Consolas"/>
                 <a:cs typeface="Consolas"/>
               </a:rPr>
-              <a:t>-&gt; </a:t>
-            </a:r>
-            <a:r>
-              <a:rPr lang="en-US" sz="3200" strike="sngStrike" dirty="0">
+              <a:t>let echo request = </a:t>
+            </a:r>
+            <a:r>
+              <a:rPr lang="en-US" sz="2800" dirty="0" err="1">
                 <a:latin typeface="Consolas"/>
                 <a:cs typeface="Consolas"/>
               </a:rPr>
-              <a:t>HttpResponseMessage</a:t>
-            </a:r>
-          </a:p>
-          <a:p>
-            <a:pPr marL="0" indent="0" algn="ctr">
-              <a:buNone/>
-            </a:pPr>
-            <a:endParaRPr lang="en-US" sz="3200" strike="sngStrike" dirty="0">
-              <a:latin typeface="Monaco" pitchFamily="2" charset="0"/>
-            </a:endParaRPr>
-          </a:p>
-          <a:p>
-            <a:pPr marL="0" indent="0" algn="ctr">
-              <a:buNone/>
-            </a:pPr>
-            <a:r>
-              <a:rPr lang="en-US" sz="3200" dirty="0">
+              <a:t>async</a:t>
+            </a:r>
+            <a:r>
+              <a:rPr lang="en-US" sz="2800" dirty="0">
                 <a:latin typeface="Consolas"/>
                 <a:cs typeface="Consolas"/>
               </a:rPr>
-              <a:t>HttpRequestMessage -&gt; </a:t>
-            </a:r>
-            <a:r>
-              <a:rPr lang="en-US" sz="3200" dirty="0" err="1">
+              <a:t> {</a:t>
+            </a:r>
+          </a:p>
+          <a:p>
+            <a:pPr marL="0" indent="0">
+              <a:buNone/>
+            </a:pPr>
+            <a:r>
+              <a:rPr lang="en-US" sz="2800" dirty="0">
+                <a:latin typeface="Monaco" pitchFamily="2" charset="0"/>
+              </a:rPr>
+              <a:t>  </a:t>
+            </a:r>
+            <a:r>
+              <a:rPr lang="en-US" sz="2800" dirty="0" smtClean="0">
+                <a:latin typeface="Monaco" pitchFamily="2" charset="0"/>
+              </a:rPr>
+              <a:t>  </a:t>
+            </a:r>
+            <a:r>
+              <a:rPr lang="en-US" sz="2800" dirty="0" smtClean="0">
                 <a:latin typeface="Consolas"/>
                 <a:cs typeface="Consolas"/>
               </a:rPr>
-              <a:t>Async</a:t>
-            </a:r>
-            <a:r>
-              <a:rPr lang="en-US" sz="3200" dirty="0">
+              <a:t>let</a:t>
+            </a:r>
+            <a:r>
+              <a:rPr lang="en-US" sz="2800" dirty="0">
                 <a:latin typeface="Consolas"/>
                 <a:cs typeface="Consolas"/>
               </a:rPr>
-              <a:t>&lt;HttpResponseMessage&gt;</a:t>
-            </a:r>
-            <a:endParaRPr lang="en-US" sz="3200" dirty="0">
+              <a:t>! body = </a:t>
+            </a:r>
+            <a:r>
+              <a:rPr lang="en-US" sz="2800" dirty="0" err="1">
+                <a:latin typeface="Consolas"/>
+                <a:cs typeface="Consolas"/>
+              </a:rPr>
+              <a:t>request.Content.AsyncReadAsString</a:t>
+            </a:r>
+            <a:r>
+              <a:rPr lang="en-US" sz="2800" dirty="0">
+                <a:latin typeface="Consolas"/>
+                <a:cs typeface="Consolas"/>
+              </a:rPr>
+              <a:t>()</a:t>
+            </a:r>
+          </a:p>
+          <a:p>
+            <a:pPr marL="0" indent="0">
+              <a:buNone/>
+            </a:pPr>
+            <a:r>
+              <a:rPr lang="en-US" sz="2800" dirty="0">
+                <a:latin typeface="Monaco" pitchFamily="2" charset="0"/>
+              </a:rPr>
+              <a:t>  </a:t>
+            </a:r>
+            <a:r>
+              <a:rPr lang="en-US" sz="2800" dirty="0" smtClean="0">
+                <a:latin typeface="Monaco" pitchFamily="2" charset="0"/>
+              </a:rPr>
+              <a:t>  </a:t>
+            </a:r>
+            <a:r>
+              <a:rPr lang="en-US" sz="2800" dirty="0" smtClean="0">
+                <a:latin typeface="Consolas"/>
+                <a:cs typeface="Consolas"/>
+              </a:rPr>
+              <a:t>return </a:t>
+            </a:r>
+            <a:r>
+              <a:rPr lang="en-US" sz="2800" dirty="0" err="1" smtClean="0">
+                <a:latin typeface="Consolas"/>
+                <a:cs typeface="Consolas"/>
+              </a:rPr>
+              <a:t>request.CreateResponse</a:t>
+            </a:r>
+            <a:r>
+              <a:rPr lang="en-US" sz="2800" dirty="0" smtClean="0">
+                <a:latin typeface="Consolas"/>
+                <a:cs typeface="Consolas"/>
+              </a:rPr>
+              <a:t>(</a:t>
+            </a:r>
+            <a:r>
+              <a:rPr lang="en-US" sz="2800" dirty="0" err="1" smtClean="0">
+                <a:latin typeface="Consolas"/>
+                <a:cs typeface="Consolas"/>
+              </a:rPr>
+              <a:t>HttpStatusCode.OK</a:t>
+            </a:r>
+            <a:r>
+              <a:rPr lang="en-US" sz="2800" dirty="0" smtClean="0">
+                <a:latin typeface="Consolas"/>
+                <a:cs typeface="Consolas"/>
+              </a:rPr>
+              <a:t>, body)</a:t>
+            </a:r>
+            <a:endParaRPr lang="en-US" sz="2800" dirty="0">
               <a:latin typeface="Consolas"/>
               <a:cs typeface="Consolas"/>
             </a:endParaRPr>
           </a:p>
+          <a:p>
+            <a:pPr marL="0" indent="0">
+              <a:buNone/>
+            </a:pPr>
+            <a:r>
+              <a:rPr lang="en-US" sz="2800" dirty="0" smtClean="0">
+                <a:latin typeface="Consolas"/>
+                <a:cs typeface="Consolas"/>
+              </a:rPr>
+              <a:t>}</a:t>
+            </a:r>
+            <a:endParaRPr lang="en-US" sz="2800" dirty="0">
+              <a:latin typeface="Monaco" pitchFamily="2" charset="0"/>
+            </a:endParaRPr>
+          </a:p>
+          <a:p>
+            <a:pPr marL="0" indent="0">
+              <a:buNone/>
+            </a:pPr>
+            <a:r>
+              <a:rPr lang="en-US" sz="2800" dirty="0">
+                <a:latin typeface="Consolas"/>
+                <a:cs typeface="Consolas"/>
+              </a:rPr>
+              <a:t>// method handler</a:t>
+            </a:r>
+          </a:p>
+          <a:p>
+            <a:pPr marL="0" indent="0">
+              <a:buNone/>
+            </a:pPr>
+            <a:r>
+              <a:rPr lang="en-US" sz="2800" dirty="0">
+                <a:latin typeface="Consolas"/>
+                <a:cs typeface="Consolas"/>
+              </a:rPr>
+              <a:t>get echo</a:t>
+            </a:r>
+          </a:p>
         </p:txBody>
       </p:sp>
     </p:spTree>
     <p:extLst>
       <p:ext uri="{BB962C8B-B14F-4D97-AF65-F5344CB8AC3E}">
-        <p14:creationId xmlns:p14="http://schemas.microsoft.com/office/powerpoint/2010/main" val="540654935"/>
+        <p14:creationId xmlns:p14="http://schemas.microsoft.com/office/powerpoint/2010/main" val="3462925926"/>
       </p:ext>
     </p:extLst>
   </p:cSld>
   <p:clrMapOvr>
     <a:masterClrMapping/>
   </p:clrMapOvr>
-  <mc:AlternateContent xmlns:mc="http://schemas.openxmlformats.org/markup-compatibility/2006">
-    <mc:Choice xmlns:p14="http://schemas.microsoft.com/office/powerpoint/2010/main" Requires="p14">
+  <mc:AlternateContent xmlns:mc="http://schemas.openxmlformats.org/markup-compatibility/2006" xmlns:p14="http://schemas.microsoft.com/office/powerpoint/2010/main">
+    <mc:Choice Requires="p14">
       <p:transition spd="slow" p14:dur="2000"/>
     </mc:Choice>
-    <mc:Fallback>
+    <mc:Fallback xmlns="">
       <p:transition spd="slow"/>
     </mc:Fallback>
   </mc:AlternateContent>
@@ -11179,7 +11210,7 @@
           <a:p>
             <a:r>
               <a:rPr lang="en-US" dirty="0" smtClean="0"/>
-              <a:t>Define a Method Handler</a:t>
+              <a:t>Define a Resource</a:t>
             </a:r>
             <a:endParaRPr lang="en-US" dirty="0"/>
           </a:p>
@@ -11187,7 +11218,7 @@
       </p:sp>
       <p:sp>
         <p:nvSpPr>
-          <p:cNvPr id="3" name="Content Placeholder 2"/>
+          <p:cNvPr id="4" name="Content Placeholder 2"/>
           <p:cNvSpPr>
             <a:spLocks noGrp="1"/>
           </p:cNvSpPr>
@@ -11197,13 +11228,13 @@
         </p:nvSpPr>
         <p:spPr>
           <a:xfrm>
-            <a:off x="445168" y="1696452"/>
-            <a:ext cx="11273590" cy="4551947"/>
+            <a:off x="646111" y="1997631"/>
+            <a:ext cx="11000457" cy="3869823"/>
           </a:xfrm>
         </p:spPr>
         <p:txBody>
           <a:bodyPr>
-            <a:noAutofit/>
+            <a:normAutofit/>
           </a:bodyPr>
           <a:lstStyle/>
           <a:p>
@@ -11215,14 +11246,35 @@
                 <a:latin typeface="Consolas"/>
                 <a:cs typeface="Consolas"/>
               </a:rPr>
-              <a:t>// </a:t>
+              <a:t>let </a:t>
+            </a:r>
+            <a:r>
+              <a:rPr lang="en-US" sz="2800" dirty="0" err="1">
+                <a:latin typeface="Consolas"/>
+                <a:cs typeface="Consolas"/>
+              </a:rPr>
+              <a:t>helloworld</a:t>
             </a:r>
             <a:r>
               <a:rPr lang="en-US" sz="2800" dirty="0">
                 <a:latin typeface="Consolas"/>
                 <a:cs typeface="Consolas"/>
               </a:rPr>
-              <a:t>handler</a:t>
+              <a:t> request = </a:t>
+            </a:r>
+            <a:r>
+              <a:rPr lang="en-US" sz="2800" dirty="0" err="1">
+                <a:latin typeface="Consolas"/>
+                <a:cs typeface="Consolas"/>
+              </a:rPr>
+              <a:t>async</a:t>
+            </a:r>
+            <a:r>
+              <a:rPr lang="en-US" sz="2800" dirty="0">
+                <a:latin typeface="Consolas"/>
+                <a:cs typeface="Consolas"/>
+              </a:rPr>
+              <a:t> { … }</a:t>
             </a:r>
           </a:p>
           <a:p>
@@ -11248,200 +11300,60 @@
                 <a:latin typeface="Consolas"/>
                 <a:cs typeface="Consolas"/>
               </a:rPr>
-              <a:t> {</a:t>
+              <a:t> { … }</a:t>
             </a:r>
           </a:p>
           <a:p>
             <a:pPr marL="0" indent="0">
               <a:buNone/>
             </a:pPr>
-            <a:r>
-              <a:rPr lang="en-US" sz="2800" dirty="0">
-                <a:latin typeface="Monaco" pitchFamily="2" charset="0"/>
-              </a:rPr>
-              <a:t> </a:t>
-            </a:r>
-            <a:r>
-              <a:rPr lang="en-US" sz="2800" dirty="0">
-                <a:latin typeface="Monaco" pitchFamily="2" charset="0"/>
-              </a:rPr>
-              <a:t> </a:t>
-            </a:r>
-            <a:r>
-              <a:rPr lang="en-US" sz="2800" dirty="0" smtClean="0">
-                <a:latin typeface="Monaco" pitchFamily="2" charset="0"/>
-              </a:rPr>
-              <a:t>  </a:t>
-            </a:r>
-            <a:r>
-              <a:rPr lang="en-US" sz="2800" dirty="0" smtClean="0">
-                <a:latin typeface="Consolas"/>
-                <a:cs typeface="Consolas"/>
-              </a:rPr>
-              <a:t>let</a:t>
-            </a:r>
+            <a:endParaRPr lang="en-US" sz="2800" dirty="0">
+              <a:latin typeface="Monaco" pitchFamily="2" charset="0"/>
+            </a:endParaRPr>
+          </a:p>
+          <a:p>
+            <a:pPr marL="0" indent="0">
+              <a:buNone/>
+            </a:pPr>
             <a:r>
               <a:rPr lang="en-US" sz="2800" dirty="0">
                 <a:latin typeface="Consolas"/>
                 <a:cs typeface="Consolas"/>
               </a:rPr>
-              <a:t>! </a:t>
+              <a:t>let resource = route “/” (get </a:t>
+            </a:r>
+            <a:r>
+              <a:rPr lang="en-US" sz="2800" dirty="0" err="1">
+                <a:latin typeface="Consolas"/>
+                <a:cs typeface="Consolas"/>
+              </a:rPr>
+              <a:t>helloworld</a:t>
             </a:r>
             <a:r>
               <a:rPr lang="en-US" sz="2800" dirty="0">
                 <a:latin typeface="Consolas"/>
                 <a:cs typeface="Consolas"/>
               </a:rPr>
-              <a:t>b</a:t>
-            </a:r>
-            <a:r>
-              <a:rPr lang="en-US" sz="2800" dirty="0">
-                <a:latin typeface="Consolas"/>
-                <a:cs typeface="Consolas"/>
-              </a:rPr>
-              <a:t>ody = </a:t>
-            </a:r>
-            <a:r>
-              <a:rPr lang="en-US" sz="2800" dirty="0" err="1">
-                <a:latin typeface="Consolas"/>
-                <a:cs typeface="Consolas"/>
-              </a:rPr>
-              <a:t>request.Content.AsyncReadAsString</a:t>
-            </a:r>
-            <a:r>
-              <a:rPr lang="en-US" sz="2800" dirty="0">
-                <a:latin typeface="Consolas"/>
-                <a:cs typeface="Consolas"/>
-              </a:rPr>
-              <a:t>()</a:t>
-            </a:r>
-          </a:p>
-          <a:p>
-            <a:pPr marL="0" indent="0">
-              <a:buNone/>
-            </a:pPr>
-            <a:r>
-              <a:rPr lang="en-US" sz="2800" dirty="0">
-                <a:latin typeface="Monaco" pitchFamily="2" charset="0"/>
-              </a:rPr>
-              <a:t> </a:t>
-            </a:r>
-            <a:r>
-              <a:rPr lang="en-US" sz="2800" dirty="0">
-                <a:latin typeface="Monaco" pitchFamily="2" charset="0"/>
-              </a:rPr>
-              <a:t> </a:t>
-            </a:r>
-            <a:r>
-              <a:rPr lang="en-US" sz="2800" dirty="0" smtClean="0">
-                <a:latin typeface="Monaco" pitchFamily="2" charset="0"/>
-              </a:rPr>
-              <a:t>  </a:t>
-            </a:r>
-            <a:r>
-              <a:rPr lang="en-US" sz="2800" dirty="0" smtClean="0">
-                <a:latin typeface="Consolas"/>
-                <a:cs typeface="Consolas"/>
-              </a:rPr>
-              <a:t>return </a:t>
-            </a:r>
-            <a:r>
-              <a:rPr lang="en-US" sz="2800" dirty="0" err="1" smtClean="0">
-                <a:latin typeface="Consolas"/>
-                <a:cs typeface="Consolas"/>
-              </a:rPr>
-              <a:t>request.CreateResponse</a:t>
-            </a:r>
-            <a:r>
-              <a:rPr lang="en-US" sz="2800" dirty="0" smtClean="0">
-                <a:latin typeface="Consolas"/>
-                <a:cs typeface="Consolas"/>
-              </a:rPr>
-              <a:t>(</a:t>
-            </a:r>
-            <a:r>
-              <a:rPr lang="en-US" sz="2800" dirty="0" err="1" smtClean="0">
-                <a:latin typeface="Consolas"/>
-                <a:cs typeface="Consolas"/>
-              </a:rPr>
-              <a:t>HttpStatusCode.OK</a:t>
-            </a:r>
-            <a:r>
-              <a:rPr lang="en-US" sz="2800" dirty="0" smtClean="0">
-                <a:latin typeface="Consolas"/>
-                <a:cs typeface="Consolas"/>
-              </a:rPr>
-              <a:t>, body)</a:t>
-            </a:r>
-            <a:endParaRPr lang="en-US" sz="2800" dirty="0">
-              <a:latin typeface="Consolas"/>
-              <a:cs typeface="Consolas"/>
-            </a:endParaRPr>
-          </a:p>
-          <a:p>
-            <a:pPr marL="0" indent="0">
-              <a:buNone/>
-            </a:pPr>
-            <a:r>
-              <a:rPr lang="en-US" sz="2800" dirty="0" smtClean="0">
-                <a:latin typeface="Consolas"/>
-                <a:cs typeface="Consolas"/>
-              </a:rPr>
-              <a:t>}</a:t>
-            </a:r>
-            <a:endParaRPr lang="en-US" sz="2800" dirty="0">
-              <a:latin typeface="Monaco" pitchFamily="2" charset="0"/>
-            </a:endParaRPr>
-          </a:p>
-          <a:p>
-            <a:pPr marL="0" indent="0">
-              <a:buNone/>
-            </a:pPr>
-            <a:r>
-              <a:rPr lang="en-US" sz="2800" dirty="0">
-                <a:latin typeface="Consolas"/>
-                <a:cs typeface="Consolas"/>
-              </a:rPr>
-              <a:t>// method handler</a:t>
-            </a:r>
-            <a:endParaRPr lang="en-US" sz="2800" dirty="0">
-              <a:latin typeface="Consolas"/>
-              <a:cs typeface="Consolas"/>
-            </a:endParaRPr>
-          </a:p>
-          <a:p>
-            <a:pPr marL="0" indent="0">
-              <a:buNone/>
-            </a:pPr>
-            <a:r>
-              <a:rPr lang="en-US" sz="2800" dirty="0">
-                <a:latin typeface="Consolas"/>
-                <a:cs typeface="Consolas"/>
-              </a:rPr>
-              <a:t>get echo</a:t>
-            </a:r>
-            <a:endParaRPr lang="en-US" sz="2800" dirty="0">
-              <a:latin typeface="Consolas"/>
-              <a:cs typeface="Consolas"/>
-            </a:endParaRPr>
+              <a:t> &lt;|&gt; post echo)</a:t>
+            </a:r>
           </a:p>
         </p:txBody>
       </p:sp>
     </p:spTree>
     <p:extLst>
       <p:ext uri="{BB962C8B-B14F-4D97-AF65-F5344CB8AC3E}">
-        <p14:creationId xmlns:p14="http://schemas.microsoft.com/office/powerpoint/2010/main" val="3462925926"/>
+        <p14:creationId xmlns:p14="http://schemas.microsoft.com/office/powerpoint/2010/main" val="2148083016"/>
       </p:ext>
     </p:extLst>
   </p:cSld>
   <p:clrMapOvr>
     <a:masterClrMapping/>
   </p:clrMapOvr>
-  <mc:AlternateContent xmlns:mc="http://schemas.openxmlformats.org/markup-compatibility/2006">
-    <mc:Choice xmlns:p14="http://schemas.microsoft.com/office/powerpoint/2010/main" Requires="p14">
+  <mc:AlternateContent xmlns:mc="http://schemas.openxmlformats.org/markup-compatibility/2006" xmlns:p14="http://schemas.microsoft.com/office/powerpoint/2010/main">
+    <mc:Choice Requires="p14">
       <p:transition spd="slow" p14:dur="2000"/>
     </mc:Choice>
-    <mc:Fallback>
+    <mc:Fallback xmlns="">
       <p:transition spd="slow"/>
     </mc:Fallback>
   </mc:AlternateContent>
